--- a/Design/mg-mis-presentation-1.pptx
+++ b/Design/mg-mis-presentation-1.pptx
@@ -5,25 +5,28 @@
     <p:sldMasterId id="2147483648" r:id="rId4"/>
   </p:sldMasterIdLst>
   <p:notesMasterIdLst>
-    <p:notesMasterId r:id="rId18"/>
+    <p:notesMasterId r:id="rId21"/>
   </p:notesMasterIdLst>
   <p:handoutMasterIdLst>
-    <p:handoutMasterId r:id="rId19"/>
+    <p:handoutMasterId r:id="rId22"/>
   </p:handoutMasterIdLst>
   <p:sldIdLst>
     <p:sldId id="531" r:id="rId5"/>
     <p:sldId id="532" r:id="rId6"/>
-    <p:sldId id="538" r:id="rId7"/>
-    <p:sldId id="540" r:id="rId8"/>
-    <p:sldId id="539" r:id="rId9"/>
-    <p:sldId id="541" r:id="rId10"/>
-    <p:sldId id="542" r:id="rId11"/>
-    <p:sldId id="543" r:id="rId12"/>
-    <p:sldId id="544" r:id="rId13"/>
-    <p:sldId id="545" r:id="rId14"/>
-    <p:sldId id="546" r:id="rId15"/>
-    <p:sldId id="547" r:id="rId16"/>
-    <p:sldId id="548" r:id="rId17"/>
+    <p:sldId id="551" r:id="rId7"/>
+    <p:sldId id="538" r:id="rId8"/>
+    <p:sldId id="540" r:id="rId9"/>
+    <p:sldId id="539" r:id="rId10"/>
+    <p:sldId id="541" r:id="rId11"/>
+    <p:sldId id="550" r:id="rId12"/>
+    <p:sldId id="543" r:id="rId13"/>
+    <p:sldId id="552" r:id="rId14"/>
+    <p:sldId id="544" r:id="rId15"/>
+    <p:sldId id="553" r:id="rId16"/>
+    <p:sldId id="542" r:id="rId17"/>
+    <p:sldId id="546" r:id="rId18"/>
+    <p:sldId id="548" r:id="rId19"/>
+    <p:sldId id="549" r:id="rId20"/>
   </p:sldIdLst>
   <p:sldSz cx="12192000" cy="6858000"/>
   <p:notesSz cx="6858000" cy="9144000"/>
@@ -123,6 +126,42 @@
     </a:lvl9pPr>
   </p:defaultTextStyle>
   <p:extLst>
+    <p:ext uri="{521415D9-36F7-43E2-AB2F-B90AF26B5E84}">
+      <p14:sectionLst xmlns:p14="http://schemas.microsoft.com/office/powerpoint/2010/main">
+        <p14:section name="Default Section" id="{DFCE91C0-F14D-4882-B5C5-0F2EB7733E82}">
+          <p14:sldIdLst>
+            <p14:sldId id="531"/>
+            <p14:sldId id="532"/>
+            <p14:sldId id="551"/>
+            <p14:sldId id="538"/>
+            <p14:sldId id="540"/>
+            <p14:sldId id="539"/>
+            <p14:sldId id="541"/>
+          </p14:sldIdLst>
+        </p14:section>
+        <p14:section name="Uses Hierarchy" id="{031951F9-D9D6-4C15-A756-77D11BEB1ED8}">
+          <p14:sldIdLst>
+            <p14:sldId id="550"/>
+          </p14:sldIdLst>
+        </p14:section>
+        <p14:section name="Behaviour Hiding Modules" id="{141D766A-0DF0-48A8-9CA6-6D22999F5B07}">
+          <p14:sldIdLst>
+            <p14:sldId id="543"/>
+            <p14:sldId id="552"/>
+            <p14:sldId id="544"/>
+            <p14:sldId id="553"/>
+            <p14:sldId id="542"/>
+            <p14:sldId id="546"/>
+          </p14:sldIdLst>
+        </p14:section>
+        <p14:section name="Software Decision Modules" id="{FEF08E6E-45F2-4C5B-8ABA-0D848BED7897}">
+          <p14:sldIdLst>
+            <p14:sldId id="548"/>
+            <p14:sldId id="549"/>
+          </p14:sldIdLst>
+        </p14:section>
+      </p14:sectionLst>
+    </p:ext>
     <p:ext uri="{EFAFB233-063F-42B5-8137-9DF3F51BA10A}">
       <p15:sldGuideLst xmlns:p15="http://schemas.microsoft.com/office/powerpoint/2012/main">
         <p15:guide id="1" orient="horz" pos="2136" userDrawn="1">
@@ -244,7 +283,7 @@
           <a:p>
             <a:fld id="{DA0B549D-7912-47CE-BB9D-C81C46F21077}" type="datetimeFigureOut">
               <a:rPr lang="en-US" smtClean="0"/>
-              <a:t>11/5/2019</a:t>
+              <a:t>11/6/2019</a:t>
             </a:fld>
             <a:endParaRPr lang="en-US" dirty="0"/>
           </a:p>
@@ -421,7 +460,7 @@
           <a:p>
             <a:fld id="{93D370A3-6847-4770-BAE0-862438C62089}" type="datetimeFigureOut">
               <a:rPr lang="en-US" smtClean="0"/>
-              <a:t>11/5/2019</a:t>
+              <a:t>11/6/2019</a:t>
             </a:fld>
             <a:endParaRPr lang="en-US" dirty="0"/>
           </a:p>
@@ -775,6 +814,267 @@
 </p:notes>
 </file>
 
+<file path=ppt/notesSlides/notesSlide10.xml><?xml version="1.0" encoding="utf-8"?>
+<p:notes xmlns:a="http://schemas.openxmlformats.org/drawingml/2006/main" xmlns:r="http://schemas.openxmlformats.org/officeDocument/2006/relationships" xmlns:p="http://schemas.openxmlformats.org/presentationml/2006/main">
+  <p:cSld>
+    <p:spTree>
+      <p:nvGrpSpPr>
+        <p:cNvPr id="1" name=""/>
+        <p:cNvGrpSpPr/>
+        <p:nvPr/>
+      </p:nvGrpSpPr>
+      <p:grpSpPr>
+        <a:xfrm>
+          <a:off x="0" y="0"/>
+          <a:ext cx="0" cy="0"/>
+          <a:chOff x="0" y="0"/>
+          <a:chExt cx="0" cy="0"/>
+        </a:xfrm>
+      </p:grpSpPr>
+      <p:sp>
+        <p:nvSpPr>
+          <p:cNvPr id="2" name="Slide Image Placeholder 1"/>
+          <p:cNvSpPr>
+            <a:spLocks noGrp="1" noRot="1" noChangeAspect="1"/>
+          </p:cNvSpPr>
+          <p:nvPr>
+            <p:ph type="sldImg"/>
+          </p:nvPr>
+        </p:nvSpPr>
+        <p:spPr/>
+      </p:sp>
+      <p:sp>
+        <p:nvSpPr>
+          <p:cNvPr id="3" name="Notes Placeholder 2"/>
+          <p:cNvSpPr>
+            <a:spLocks noGrp="1"/>
+          </p:cNvSpPr>
+          <p:nvPr>
+            <p:ph type="body" idx="1"/>
+          </p:nvPr>
+        </p:nvSpPr>
+        <p:spPr/>
+        <p:txBody>
+          <a:bodyPr/>
+          <a:lstStyle/>
+          <a:p>
+            <a:r>
+              <a:rPr lang="en-CA" dirty="0"/>
+              <a:t>I’m still in the process of creating the MIS so I haven’t gotten to this part yet.</a:t>
+            </a:r>
+          </a:p>
+          <a:p>
+            <a:r>
+              <a:rPr lang="en-CA" dirty="0"/>
+              <a:t>Based on the uses diagram I showed earlier we know that this scene module handles the actual application of the light on the scene.</a:t>
+            </a:r>
+          </a:p>
+        </p:txBody>
+      </p:sp>
+      <p:sp>
+        <p:nvSpPr>
+          <p:cNvPr id="4" name="Slide Number Placeholder 3"/>
+          <p:cNvSpPr>
+            <a:spLocks noGrp="1"/>
+          </p:cNvSpPr>
+          <p:nvPr>
+            <p:ph type="sldNum" sz="quarter" idx="5"/>
+          </p:nvPr>
+        </p:nvSpPr>
+        <p:spPr/>
+        <p:txBody>
+          <a:bodyPr/>
+          <a:lstStyle/>
+          <a:p>
+            <a:fld id="{C22109BC-39F4-43B1-850C-D5EB0E6480C8}" type="slidenum">
+              <a:rPr lang="en-US" smtClean="0"/>
+              <a:t>13</a:t>
+            </a:fld>
+            <a:endParaRPr lang="en-US" dirty="0"/>
+          </a:p>
+        </p:txBody>
+      </p:sp>
+    </p:spTree>
+    <p:extLst>
+      <p:ext uri="{BB962C8B-B14F-4D97-AF65-F5344CB8AC3E}">
+        <p14:creationId xmlns:p14="http://schemas.microsoft.com/office/powerpoint/2010/main" val="1327260615"/>
+      </p:ext>
+    </p:extLst>
+  </p:cSld>
+  <p:clrMapOvr>
+    <a:masterClrMapping/>
+  </p:clrMapOvr>
+</p:notes>
+</file>
+
+<file path=ppt/notesSlides/notesSlide11.xml><?xml version="1.0" encoding="utf-8"?>
+<p:notes xmlns:a="http://schemas.openxmlformats.org/drawingml/2006/main" xmlns:r="http://schemas.openxmlformats.org/officeDocument/2006/relationships" xmlns:p="http://schemas.openxmlformats.org/presentationml/2006/main">
+  <p:cSld>
+    <p:spTree>
+      <p:nvGrpSpPr>
+        <p:cNvPr id="1" name=""/>
+        <p:cNvGrpSpPr/>
+        <p:nvPr/>
+      </p:nvGrpSpPr>
+      <p:grpSpPr>
+        <a:xfrm>
+          <a:off x="0" y="0"/>
+          <a:ext cx="0" cy="0"/>
+          <a:chOff x="0" y="0"/>
+          <a:chExt cx="0" cy="0"/>
+        </a:xfrm>
+      </p:grpSpPr>
+      <p:sp>
+        <p:nvSpPr>
+          <p:cNvPr id="2" name="Slide Image Placeholder 1"/>
+          <p:cNvSpPr>
+            <a:spLocks noGrp="1" noRot="1" noChangeAspect="1"/>
+          </p:cNvSpPr>
+          <p:nvPr>
+            <p:ph type="sldImg"/>
+          </p:nvPr>
+        </p:nvSpPr>
+        <p:spPr/>
+      </p:sp>
+      <p:sp>
+        <p:nvSpPr>
+          <p:cNvPr id="3" name="Notes Placeholder 2"/>
+          <p:cNvSpPr>
+            <a:spLocks noGrp="1"/>
+          </p:cNvSpPr>
+          <p:nvPr>
+            <p:ph type="body" idx="1"/>
+          </p:nvPr>
+        </p:nvSpPr>
+        <p:spPr/>
+        <p:txBody>
+          <a:bodyPr/>
+          <a:lstStyle/>
+          <a:p>
+            <a:endParaRPr lang="en-CA" dirty="0"/>
+          </a:p>
+        </p:txBody>
+      </p:sp>
+      <p:sp>
+        <p:nvSpPr>
+          <p:cNvPr id="4" name="Slide Number Placeholder 3"/>
+          <p:cNvSpPr>
+            <a:spLocks noGrp="1"/>
+          </p:cNvSpPr>
+          <p:nvPr>
+            <p:ph type="sldNum" sz="quarter" idx="5"/>
+          </p:nvPr>
+        </p:nvSpPr>
+        <p:spPr/>
+        <p:txBody>
+          <a:bodyPr/>
+          <a:lstStyle/>
+          <a:p>
+            <a:fld id="{C22109BC-39F4-43B1-850C-D5EB0E6480C8}" type="slidenum">
+              <a:rPr lang="en-US" smtClean="0"/>
+              <a:t>14</a:t>
+            </a:fld>
+            <a:endParaRPr lang="en-US" dirty="0"/>
+          </a:p>
+        </p:txBody>
+      </p:sp>
+    </p:spTree>
+    <p:extLst>
+      <p:ext uri="{BB962C8B-B14F-4D97-AF65-F5344CB8AC3E}">
+        <p14:creationId xmlns:p14="http://schemas.microsoft.com/office/powerpoint/2010/main" val="2531002819"/>
+      </p:ext>
+    </p:extLst>
+  </p:cSld>
+  <p:clrMapOvr>
+    <a:masterClrMapping/>
+  </p:clrMapOvr>
+</p:notes>
+</file>
+
+<file path=ppt/notesSlides/notesSlide12.xml><?xml version="1.0" encoding="utf-8"?>
+<p:notes xmlns:a="http://schemas.openxmlformats.org/drawingml/2006/main" xmlns:r="http://schemas.openxmlformats.org/officeDocument/2006/relationships" xmlns:p="http://schemas.openxmlformats.org/presentationml/2006/main">
+  <p:cSld>
+    <p:spTree>
+      <p:nvGrpSpPr>
+        <p:cNvPr id="1" name=""/>
+        <p:cNvGrpSpPr/>
+        <p:nvPr/>
+      </p:nvGrpSpPr>
+      <p:grpSpPr>
+        <a:xfrm>
+          <a:off x="0" y="0"/>
+          <a:ext cx="0" cy="0"/>
+          <a:chOff x="0" y="0"/>
+          <a:chExt cx="0" cy="0"/>
+        </a:xfrm>
+      </p:grpSpPr>
+      <p:sp>
+        <p:nvSpPr>
+          <p:cNvPr id="2" name="Slide Image Placeholder 1"/>
+          <p:cNvSpPr>
+            <a:spLocks noGrp="1" noRot="1" noChangeAspect="1"/>
+          </p:cNvSpPr>
+          <p:nvPr>
+            <p:ph type="sldImg"/>
+          </p:nvPr>
+        </p:nvSpPr>
+        <p:spPr/>
+      </p:sp>
+      <p:sp>
+        <p:nvSpPr>
+          <p:cNvPr id="3" name="Notes Placeholder 2"/>
+          <p:cNvSpPr>
+            <a:spLocks noGrp="1"/>
+          </p:cNvSpPr>
+          <p:nvPr>
+            <p:ph type="body" idx="1"/>
+          </p:nvPr>
+        </p:nvSpPr>
+        <p:spPr/>
+        <p:txBody>
+          <a:bodyPr/>
+          <a:lstStyle/>
+          <a:p>
+            <a:endParaRPr lang="en-CA" dirty="0"/>
+          </a:p>
+        </p:txBody>
+      </p:sp>
+      <p:sp>
+        <p:nvSpPr>
+          <p:cNvPr id="4" name="Slide Number Placeholder 3"/>
+          <p:cNvSpPr>
+            <a:spLocks noGrp="1"/>
+          </p:cNvSpPr>
+          <p:nvPr>
+            <p:ph type="sldNum" sz="quarter" idx="5"/>
+          </p:nvPr>
+        </p:nvSpPr>
+        <p:spPr/>
+        <p:txBody>
+          <a:bodyPr/>
+          <a:lstStyle/>
+          <a:p>
+            <a:fld id="{C22109BC-39F4-43B1-850C-D5EB0E6480C8}" type="slidenum">
+              <a:rPr lang="en-US" smtClean="0"/>
+              <a:t>16</a:t>
+            </a:fld>
+            <a:endParaRPr lang="en-US" dirty="0"/>
+          </a:p>
+        </p:txBody>
+      </p:sp>
+    </p:spTree>
+    <p:extLst>
+      <p:ext uri="{BB962C8B-B14F-4D97-AF65-F5344CB8AC3E}">
+        <p14:creationId xmlns:p14="http://schemas.microsoft.com/office/powerpoint/2010/main" val="2729834519"/>
+      </p:ext>
+    </p:extLst>
+  </p:cSld>
+  <p:clrMapOvr>
+    <a:masterClrMapping/>
+  </p:clrMapOvr>
+</p:notes>
+</file>
+
 <file path=ppt/notesSlides/notesSlide2.xml><?xml version="1.0" encoding="utf-8"?>
 <p:notes xmlns:a="http://schemas.openxmlformats.org/drawingml/2006/main" xmlns:r="http://schemas.openxmlformats.org/officeDocument/2006/relationships" xmlns:p="http://schemas.openxmlformats.org/presentationml/2006/main">
   <p:cSld>
@@ -819,7 +1119,16 @@
           <a:bodyPr/>
           <a:lstStyle/>
           <a:p>
-            <a:endParaRPr lang="en-CA" dirty="0"/>
+            <a:r>
+              <a:rPr lang="en-CA" dirty="0"/>
+              <a:t>I found that the problem domain was split up in a couple of different ways.</a:t>
+            </a:r>
+          </a:p>
+          <a:p>
+            <a:r>
+              <a:rPr lang="en-CA" dirty="0"/>
+              <a:t>So for the scope of my project I decided to focus on understanding these aspects of modeling light in 3D graphics.</a:t>
+            </a:r>
           </a:p>
         </p:txBody>
       </p:sp>
@@ -849,7 +1158,7 @@
     </p:spTree>
     <p:extLst>
       <p:ext uri="{BB962C8B-B14F-4D97-AF65-F5344CB8AC3E}">
-        <p14:creationId xmlns:p14="http://schemas.microsoft.com/office/powerpoint/2010/main" val="1658734182"/>
+        <p14:creationId xmlns:p14="http://schemas.microsoft.com/office/powerpoint/2010/main" val="3589047798"/>
       </p:ext>
     </p:extLst>
   </p:cSld>
@@ -903,10 +1212,7 @@
           <a:bodyPr/>
           <a:lstStyle/>
           <a:p>
-            <a:r>
-              <a:rPr lang="en-CA" dirty="0"/>
-              <a:t>I specifically want to discuss these with you so keep these in mind but we’ll come back to them.</a:t>
-            </a:r>
+            <a:endParaRPr lang="en-CA" dirty="0"/>
           </a:p>
         </p:txBody>
       </p:sp>
@@ -936,7 +1242,7 @@
     </p:spTree>
     <p:extLst>
       <p:ext uri="{BB962C8B-B14F-4D97-AF65-F5344CB8AC3E}">
-        <p14:creationId xmlns:p14="http://schemas.microsoft.com/office/powerpoint/2010/main" val="4225631079"/>
+        <p14:creationId xmlns:p14="http://schemas.microsoft.com/office/powerpoint/2010/main" val="1658734182"/>
       </p:ext>
     </p:extLst>
   </p:cSld>
@@ -992,65 +1298,8 @@
           <a:p>
             <a:r>
               <a:rPr lang="en-CA" dirty="0"/>
-              <a:t>So jumping into this module hierarchy I have 6 behaviour modules, and 2 software decision modules.</a:t>
+              <a:t>I specifically want to discuss these with you so keep these in mind but we’ll come back to them.</a:t>
             </a:r>
-          </a:p>
-          <a:p>
-            <a:endParaRPr lang="en-CA" dirty="0"/>
-          </a:p>
-          <a:p>
-            <a:r>
-              <a:rPr lang="en-CA" dirty="0"/>
-              <a:t>Scene module – handles the environment that’s being rendered (i.e. the room) and sets the boundaries (and constraints) for other properties; it also keeps track of the objects, light sources, and observer in the scene.</a:t>
-            </a:r>
-          </a:p>
-          <a:p>
-            <a:r>
-              <a:rPr lang="en-CA" dirty="0"/>
-              <a:t>Object module – handles the objects being rendered in a scene</a:t>
-            </a:r>
-          </a:p>
-          <a:p>
-            <a:r>
-              <a:rPr lang="en-CA" dirty="0"/>
-              <a:t>Light Source Module – handles the light source</a:t>
-            </a:r>
-          </a:p>
-          <a:p>
-            <a:r>
-              <a:rPr lang="en-CA" dirty="0"/>
-              <a:t>Observer Module – handles the observer information</a:t>
-            </a:r>
-          </a:p>
-          <a:p>
-            <a:r>
-              <a:rPr lang="en-CA" dirty="0"/>
-              <a:t>Shader Module – handles the shading calculations</a:t>
-            </a:r>
-          </a:p>
-          <a:p>
-            <a:r>
-              <a:rPr lang="en-CA" dirty="0"/>
-              <a:t>Lighting Model Module – handles the lighting and colouring calculations</a:t>
-            </a:r>
-          </a:p>
-          <a:p>
-            <a:r>
-              <a:rPr lang="en-CA" dirty="0"/>
-              <a:t>JSON Module – handles interpreting the input and sending that information in properly formatted ways to the other modules as well as turning that same data into output</a:t>
-            </a:r>
-          </a:p>
-          <a:p>
-            <a:endParaRPr lang="en-CA" dirty="0"/>
-          </a:p>
-          <a:p>
-            <a:r>
-              <a:rPr lang="en-CA" dirty="0"/>
-              <a:t>Here’s where I’m not sure if this should be listed – but I need a Vector Calculus module; something that handles the implementation of things like normalizing vectors, adding, subtracting, getting the dot product and cross product that sort of thing.</a:t>
-            </a:r>
-          </a:p>
-          <a:p>
-            <a:endParaRPr lang="en-CA" dirty="0"/>
           </a:p>
         </p:txBody>
       </p:sp>
@@ -1080,7 +1329,7 @@
     </p:spTree>
     <p:extLst>
       <p:ext uri="{BB962C8B-B14F-4D97-AF65-F5344CB8AC3E}">
-        <p14:creationId xmlns:p14="http://schemas.microsoft.com/office/powerpoint/2010/main" val="196732570"/>
+        <p14:creationId xmlns:p14="http://schemas.microsoft.com/office/powerpoint/2010/main" val="4225631079"/>
       </p:ext>
     </p:extLst>
   </p:cSld>
@@ -1136,6 +1385,150 @@
           <a:p>
             <a:r>
               <a:rPr lang="en-CA" dirty="0"/>
+              <a:t>So jumping into this module hierarchy I have 6 behaviour modules, and 2 software decision modules.</a:t>
+            </a:r>
+          </a:p>
+          <a:p>
+            <a:endParaRPr lang="en-CA" dirty="0"/>
+          </a:p>
+          <a:p>
+            <a:r>
+              <a:rPr lang="en-CA" dirty="0"/>
+              <a:t>Scene module – handles the environment that’s being rendered (i.e. the room) and sets the boundaries (and constraints) for other properties; it also keeps track of the objects, light sources, and observer in the scene.</a:t>
+            </a:r>
+          </a:p>
+          <a:p>
+            <a:r>
+              <a:rPr lang="en-CA" dirty="0"/>
+              <a:t>Object module – handles the objects being rendered in a scene</a:t>
+            </a:r>
+          </a:p>
+          <a:p>
+            <a:r>
+              <a:rPr lang="en-CA" dirty="0"/>
+              <a:t>Light Source Module – handles the light source</a:t>
+            </a:r>
+          </a:p>
+          <a:p>
+            <a:r>
+              <a:rPr lang="en-CA" dirty="0"/>
+              <a:t>Observer Module – handles the observer information</a:t>
+            </a:r>
+          </a:p>
+          <a:p>
+            <a:r>
+              <a:rPr lang="en-CA" dirty="0"/>
+              <a:t>Shader Module – handles the shading calculations</a:t>
+            </a:r>
+          </a:p>
+          <a:p>
+            <a:r>
+              <a:rPr lang="en-CA" dirty="0"/>
+              <a:t>Lighting Model Module – handles the lighting and colouring calculations</a:t>
+            </a:r>
+          </a:p>
+          <a:p>
+            <a:r>
+              <a:rPr lang="en-CA" dirty="0"/>
+              <a:t>JSON Module – handles interpreting the input and sending that information in properly formatted ways to the other modules as well as turning that same data into output</a:t>
+            </a:r>
+          </a:p>
+          <a:p>
+            <a:endParaRPr lang="en-CA" dirty="0"/>
+          </a:p>
+          <a:p>
+            <a:r>
+              <a:rPr lang="en-CA" dirty="0"/>
+              <a:t>Here’s where I’m not sure if this should be listed – but I need a Vector Calculus module; something that handles the implementation of things like normalizing vectors, adding, subtracting, getting the dot product and cross product that sort of thing.</a:t>
+            </a:r>
+          </a:p>
+          <a:p>
+            <a:endParaRPr lang="en-CA" dirty="0"/>
+          </a:p>
+        </p:txBody>
+      </p:sp>
+      <p:sp>
+        <p:nvSpPr>
+          <p:cNvPr id="4" name="Slide Number Placeholder 3"/>
+          <p:cNvSpPr>
+            <a:spLocks noGrp="1"/>
+          </p:cNvSpPr>
+          <p:nvPr>
+            <p:ph type="sldNum" sz="quarter" idx="5"/>
+          </p:nvPr>
+        </p:nvSpPr>
+        <p:spPr/>
+        <p:txBody>
+          <a:bodyPr/>
+          <a:lstStyle/>
+          <a:p>
+            <a:fld id="{C22109BC-39F4-43B1-850C-D5EB0E6480C8}" type="slidenum">
+              <a:rPr lang="en-US" smtClean="0"/>
+              <a:t>6</a:t>
+            </a:fld>
+            <a:endParaRPr lang="en-US" dirty="0"/>
+          </a:p>
+        </p:txBody>
+      </p:sp>
+    </p:spTree>
+    <p:extLst>
+      <p:ext uri="{BB962C8B-B14F-4D97-AF65-F5344CB8AC3E}">
+        <p14:creationId xmlns:p14="http://schemas.microsoft.com/office/powerpoint/2010/main" val="196732570"/>
+      </p:ext>
+    </p:extLst>
+  </p:cSld>
+  <p:clrMapOvr>
+    <a:masterClrMapping/>
+  </p:clrMapOvr>
+</p:notes>
+</file>
+
+<file path=ppt/notesSlides/notesSlide6.xml><?xml version="1.0" encoding="utf-8"?>
+<p:notes xmlns:a="http://schemas.openxmlformats.org/drawingml/2006/main" xmlns:r="http://schemas.openxmlformats.org/officeDocument/2006/relationships" xmlns:p="http://schemas.openxmlformats.org/presentationml/2006/main">
+  <p:cSld>
+    <p:spTree>
+      <p:nvGrpSpPr>
+        <p:cNvPr id="1" name=""/>
+        <p:cNvGrpSpPr/>
+        <p:nvPr/>
+      </p:nvGrpSpPr>
+      <p:grpSpPr>
+        <a:xfrm>
+          <a:off x="0" y="0"/>
+          <a:ext cx="0" cy="0"/>
+          <a:chOff x="0" y="0"/>
+          <a:chExt cx="0" cy="0"/>
+        </a:xfrm>
+      </p:grpSpPr>
+      <p:sp>
+        <p:nvSpPr>
+          <p:cNvPr id="2" name="Slide Image Placeholder 1"/>
+          <p:cNvSpPr>
+            <a:spLocks noGrp="1" noRot="1" noChangeAspect="1"/>
+          </p:cNvSpPr>
+          <p:nvPr>
+            <p:ph type="sldImg"/>
+          </p:nvPr>
+        </p:nvSpPr>
+        <p:spPr/>
+      </p:sp>
+      <p:sp>
+        <p:nvSpPr>
+          <p:cNvPr id="3" name="Notes Placeholder 2"/>
+          <p:cNvSpPr>
+            <a:spLocks noGrp="1"/>
+          </p:cNvSpPr>
+          <p:nvPr>
+            <p:ph type="body" idx="1"/>
+          </p:nvPr>
+        </p:nvSpPr>
+        <p:spPr/>
+        <p:txBody>
+          <a:bodyPr/>
+          <a:lstStyle/>
+          <a:p>
+            <a:r>
+              <a:rPr lang="en-CA" dirty="0"/>
               <a:t>So I have conceptual issues.</a:t>
             </a:r>
           </a:p>
@@ -1194,15 +1587,7 @@
           <a:p>
             <a:r>
               <a:rPr lang="en-CA" dirty="0"/>
-              <a:t>My last is that I don’t know what to do with these three modules; they’re necessary hold </a:t>
-            </a:r>
-            <a:r>
-              <a:rPr lang="en-CA" dirty="0" err="1"/>
-              <a:t>hold</a:t>
-            </a:r>
-            <a:r>
-              <a:rPr lang="en-CA" dirty="0"/>
-              <a:t> information about the Observer,</a:t>
+              <a:t>My last is that I don’t know what to do with these three modules; they’re necessary to hold information about the Observer, Scene, and other data structures that will be used by  the modules associated to my changes.</a:t>
             </a:r>
           </a:p>
         </p:txBody>
@@ -1224,7 +1609,7 @@
           <a:p>
             <a:fld id="{C22109BC-39F4-43B1-850C-D5EB0E6480C8}" type="slidenum">
               <a:rPr lang="en-US" smtClean="0"/>
-              <a:t>6</a:t>
+              <a:t>7</a:t>
             </a:fld>
             <a:endParaRPr lang="en-US" dirty="0"/>
           </a:p>
@@ -1234,6 +1619,342 @@
     <p:extLst>
       <p:ext uri="{BB962C8B-B14F-4D97-AF65-F5344CB8AC3E}">
         <p14:creationId xmlns:p14="http://schemas.microsoft.com/office/powerpoint/2010/main" val="132412442"/>
+      </p:ext>
+    </p:extLst>
+  </p:cSld>
+  <p:clrMapOvr>
+    <a:masterClrMapping/>
+  </p:clrMapOvr>
+</p:notes>
+</file>
+
+<file path=ppt/notesSlides/notesSlide7.xml><?xml version="1.0" encoding="utf-8"?>
+<p:notes xmlns:a="http://schemas.openxmlformats.org/drawingml/2006/main" xmlns:r="http://schemas.openxmlformats.org/officeDocument/2006/relationships" xmlns:p="http://schemas.openxmlformats.org/presentationml/2006/main">
+  <p:cSld>
+    <p:spTree>
+      <p:nvGrpSpPr>
+        <p:cNvPr id="1" name=""/>
+        <p:cNvGrpSpPr/>
+        <p:nvPr/>
+      </p:nvGrpSpPr>
+      <p:grpSpPr>
+        <a:xfrm>
+          <a:off x="0" y="0"/>
+          <a:ext cx="0" cy="0"/>
+          <a:chOff x="0" y="0"/>
+          <a:chExt cx="0" cy="0"/>
+        </a:xfrm>
+      </p:grpSpPr>
+      <p:sp>
+        <p:nvSpPr>
+          <p:cNvPr id="2" name="Slide Image Placeholder 1"/>
+          <p:cNvSpPr>
+            <a:spLocks noGrp="1" noRot="1" noChangeAspect="1"/>
+          </p:cNvSpPr>
+          <p:nvPr>
+            <p:ph type="sldImg"/>
+          </p:nvPr>
+        </p:nvSpPr>
+        <p:spPr/>
+      </p:sp>
+      <p:sp>
+        <p:nvSpPr>
+          <p:cNvPr id="3" name="Notes Placeholder 2"/>
+          <p:cNvSpPr>
+            <a:spLocks noGrp="1"/>
+          </p:cNvSpPr>
+          <p:nvPr>
+            <p:ph type="body" idx="1"/>
+          </p:nvPr>
+        </p:nvSpPr>
+        <p:spPr/>
+        <p:txBody>
+          <a:bodyPr/>
+          <a:lstStyle/>
+          <a:p>
+            <a:r>
+              <a:rPr lang="en-CA" dirty="0"/>
+              <a:t>So this messy diagram is my current iteration of the uses hierarchy.</a:t>
+            </a:r>
+          </a:p>
+          <a:p>
+            <a:endParaRPr lang="en-CA" dirty="0"/>
+          </a:p>
+          <a:p>
+            <a:r>
+              <a:rPr lang="en-CA" dirty="0"/>
+              <a:t>Basically my main module is the scene module. It’s where all the information about the objects, observers, and light sources are stored.</a:t>
+            </a:r>
+          </a:p>
+          <a:p>
+            <a:r>
+              <a:rPr lang="en-CA" dirty="0"/>
+              <a:t>It’s also where final calculations from the lighting and shading models get applied to these objects.</a:t>
+            </a:r>
+          </a:p>
+          <a:p>
+            <a:r>
+              <a:rPr lang="en-CA" dirty="0"/>
+              <a:t>It is the only module that interfaces with the JSON module, as it’s the only one that reads input and writes output.</a:t>
+            </a:r>
+          </a:p>
+          <a:p>
+            <a:endParaRPr lang="en-CA" dirty="0"/>
+          </a:p>
+          <a:p>
+            <a:r>
+              <a:rPr lang="en-CA" dirty="0"/>
+              <a:t>Observer, Object, and Light Source are all abstract object modules; they’re basically just data types.</a:t>
+            </a:r>
+          </a:p>
+          <a:p>
+            <a:endParaRPr lang="en-CA" dirty="0"/>
+          </a:p>
+          <a:p>
+            <a:r>
+              <a:rPr lang="en-CA" dirty="0"/>
+              <a:t>The lighting and shading models are where calculations happen.</a:t>
+            </a:r>
+          </a:p>
+          <a:p>
+            <a:endParaRPr lang="en-CA" dirty="0"/>
+          </a:p>
+          <a:p>
+            <a:r>
+              <a:rPr lang="en-CA" dirty="0"/>
+              <a:t>Does this make sense?</a:t>
+            </a:r>
+          </a:p>
+        </p:txBody>
+      </p:sp>
+      <p:sp>
+        <p:nvSpPr>
+          <p:cNvPr id="4" name="Slide Number Placeholder 3"/>
+          <p:cNvSpPr>
+            <a:spLocks noGrp="1"/>
+          </p:cNvSpPr>
+          <p:nvPr>
+            <p:ph type="sldNum" sz="quarter" idx="5"/>
+          </p:nvPr>
+        </p:nvSpPr>
+        <p:spPr/>
+        <p:txBody>
+          <a:bodyPr/>
+          <a:lstStyle/>
+          <a:p>
+            <a:fld id="{C22109BC-39F4-43B1-850C-D5EB0E6480C8}" type="slidenum">
+              <a:rPr lang="en-US" smtClean="0"/>
+              <a:t>8</a:t>
+            </a:fld>
+            <a:endParaRPr lang="en-US" dirty="0"/>
+          </a:p>
+        </p:txBody>
+      </p:sp>
+    </p:spTree>
+    <p:extLst>
+      <p:ext uri="{BB962C8B-B14F-4D97-AF65-F5344CB8AC3E}">
+        <p14:creationId xmlns:p14="http://schemas.microsoft.com/office/powerpoint/2010/main" val="3206574887"/>
+      </p:ext>
+    </p:extLst>
+  </p:cSld>
+  <p:clrMapOvr>
+    <a:masterClrMapping/>
+  </p:clrMapOvr>
+</p:notes>
+</file>
+
+<file path=ppt/notesSlides/notesSlide8.xml><?xml version="1.0" encoding="utf-8"?>
+<p:notes xmlns:a="http://schemas.openxmlformats.org/drawingml/2006/main" xmlns:r="http://schemas.openxmlformats.org/officeDocument/2006/relationships" xmlns:p="http://schemas.openxmlformats.org/presentationml/2006/main">
+  <p:cSld>
+    <p:spTree>
+      <p:nvGrpSpPr>
+        <p:cNvPr id="1" name=""/>
+        <p:cNvGrpSpPr/>
+        <p:nvPr/>
+      </p:nvGrpSpPr>
+      <p:grpSpPr>
+        <a:xfrm>
+          <a:off x="0" y="0"/>
+          <a:ext cx="0" cy="0"/>
+          <a:chOff x="0" y="0"/>
+          <a:chExt cx="0" cy="0"/>
+        </a:xfrm>
+      </p:grpSpPr>
+      <p:sp>
+        <p:nvSpPr>
+          <p:cNvPr id="2" name="Slide Image Placeholder 1"/>
+          <p:cNvSpPr>
+            <a:spLocks noGrp="1" noRot="1" noChangeAspect="1"/>
+          </p:cNvSpPr>
+          <p:nvPr>
+            <p:ph type="sldImg"/>
+          </p:nvPr>
+        </p:nvSpPr>
+        <p:spPr/>
+      </p:sp>
+      <p:sp>
+        <p:nvSpPr>
+          <p:cNvPr id="3" name="Notes Placeholder 2"/>
+          <p:cNvSpPr>
+            <a:spLocks noGrp="1"/>
+          </p:cNvSpPr>
+          <p:nvPr>
+            <p:ph type="body" idx="1"/>
+          </p:nvPr>
+        </p:nvSpPr>
+        <p:spPr/>
+        <p:txBody>
+          <a:bodyPr/>
+          <a:lstStyle/>
+          <a:p>
+            <a:r>
+              <a:rPr lang="en-CA" dirty="0"/>
+              <a:t>So for the object module it’s just an abstract object – we’re only looking to store data in it about objects that we can then access with our other modules to make their calculations.</a:t>
+            </a:r>
+          </a:p>
+          <a:p>
+            <a:endParaRPr lang="en-CA" dirty="0"/>
+          </a:p>
+          <a:p>
+            <a:r>
+              <a:rPr lang="en-CA" dirty="0"/>
+              <a:t>I want to clarify with the class (and Dr. Smith) that MIS are the access programs – but that means even the internal access right?</a:t>
+            </a:r>
+          </a:p>
+          <a:p>
+            <a:endParaRPr lang="en-CA" dirty="0"/>
+          </a:p>
+          <a:p>
+            <a:endParaRPr lang="en-CA" dirty="0"/>
+          </a:p>
+        </p:txBody>
+      </p:sp>
+      <p:sp>
+        <p:nvSpPr>
+          <p:cNvPr id="4" name="Slide Number Placeholder 3"/>
+          <p:cNvSpPr>
+            <a:spLocks noGrp="1"/>
+          </p:cNvSpPr>
+          <p:nvPr>
+            <p:ph type="sldNum" sz="quarter" idx="5"/>
+          </p:nvPr>
+        </p:nvSpPr>
+        <p:spPr/>
+        <p:txBody>
+          <a:bodyPr/>
+          <a:lstStyle/>
+          <a:p>
+            <a:fld id="{C22109BC-39F4-43B1-850C-D5EB0E6480C8}" type="slidenum">
+              <a:rPr lang="en-US" smtClean="0"/>
+              <a:t>9</a:t>
+            </a:fld>
+            <a:endParaRPr lang="en-US" dirty="0"/>
+          </a:p>
+        </p:txBody>
+      </p:sp>
+    </p:spTree>
+    <p:extLst>
+      <p:ext uri="{BB962C8B-B14F-4D97-AF65-F5344CB8AC3E}">
+        <p14:creationId xmlns:p14="http://schemas.microsoft.com/office/powerpoint/2010/main" val="1574606112"/>
+      </p:ext>
+    </p:extLst>
+  </p:cSld>
+  <p:clrMapOvr>
+    <a:masterClrMapping/>
+  </p:clrMapOvr>
+</p:notes>
+</file>
+
+<file path=ppt/notesSlides/notesSlide9.xml><?xml version="1.0" encoding="utf-8"?>
+<p:notes xmlns:a="http://schemas.openxmlformats.org/drawingml/2006/main" xmlns:r="http://schemas.openxmlformats.org/officeDocument/2006/relationships" xmlns:p="http://schemas.openxmlformats.org/presentationml/2006/main">
+  <p:cSld>
+    <p:spTree>
+      <p:nvGrpSpPr>
+        <p:cNvPr id="1" name=""/>
+        <p:cNvGrpSpPr/>
+        <p:nvPr/>
+      </p:nvGrpSpPr>
+      <p:grpSpPr>
+        <a:xfrm>
+          <a:off x="0" y="0"/>
+          <a:ext cx="0" cy="0"/>
+          <a:chOff x="0" y="0"/>
+          <a:chExt cx="0" cy="0"/>
+        </a:xfrm>
+      </p:grpSpPr>
+      <p:sp>
+        <p:nvSpPr>
+          <p:cNvPr id="2" name="Slide Image Placeholder 1"/>
+          <p:cNvSpPr>
+            <a:spLocks noGrp="1" noRot="1" noChangeAspect="1"/>
+          </p:cNvSpPr>
+          <p:nvPr>
+            <p:ph type="sldImg"/>
+          </p:nvPr>
+        </p:nvSpPr>
+        <p:spPr/>
+      </p:sp>
+      <p:sp>
+        <p:nvSpPr>
+          <p:cNvPr id="3" name="Notes Placeholder 2"/>
+          <p:cNvSpPr>
+            <a:spLocks noGrp="1"/>
+          </p:cNvSpPr>
+          <p:nvPr>
+            <p:ph type="body" idx="1"/>
+          </p:nvPr>
+        </p:nvSpPr>
+        <p:spPr/>
+        <p:txBody>
+          <a:bodyPr/>
+          <a:lstStyle/>
+          <a:p>
+            <a:r>
+              <a:rPr lang="en-CA" dirty="0"/>
+              <a:t>So I don’t want to bore you with repeating the same getters and setters over again.</a:t>
+            </a:r>
+          </a:p>
+          <a:p>
+            <a:r>
+              <a:rPr lang="en-CA" dirty="0"/>
+              <a:t>The specific wording is in my document, but to explain more about this particular module we’ll take a look at the object creation functions Init.</a:t>
+            </a:r>
+          </a:p>
+          <a:p>
+            <a:r>
+              <a:rPr lang="en-CA" dirty="0"/>
+              <a:t>So I’m not sure if I’m using the transition line in the right sense – I interpreted it as changes to the system that aren’t necessarily output; so I put  object creation here – is this correct?</a:t>
+            </a:r>
+          </a:p>
+        </p:txBody>
+      </p:sp>
+      <p:sp>
+        <p:nvSpPr>
+          <p:cNvPr id="4" name="Slide Number Placeholder 3"/>
+          <p:cNvSpPr>
+            <a:spLocks noGrp="1"/>
+          </p:cNvSpPr>
+          <p:nvPr>
+            <p:ph type="sldNum" sz="quarter" idx="5"/>
+          </p:nvPr>
+        </p:nvSpPr>
+        <p:spPr/>
+        <p:txBody>
+          <a:bodyPr/>
+          <a:lstStyle/>
+          <a:p>
+            <a:fld id="{C22109BC-39F4-43B1-850C-D5EB0E6480C8}" type="slidenum">
+              <a:rPr lang="en-US" smtClean="0"/>
+              <a:t>11</a:t>
+            </a:fld>
+            <a:endParaRPr lang="en-US" dirty="0"/>
+          </a:p>
+        </p:txBody>
+      </p:sp>
+    </p:spTree>
+    <p:extLst>
+      <p:ext uri="{BB962C8B-B14F-4D97-AF65-F5344CB8AC3E}">
+        <p14:creationId xmlns:p14="http://schemas.microsoft.com/office/powerpoint/2010/main" val="1555859010"/>
       </p:ext>
     </p:extLst>
   </p:cSld>
@@ -6887,7 +7608,7 @@
           </a:ln>
           <a:extLst>
             <a:ext uri="{C572A759-6A51-4108-AA02-DFA0A04FC94B}">
-              <ma14:wrappingTextBoxFlag xmlns="" xmlns:ma14="http://schemas.microsoft.com/office/mac/drawingml/2011/main" val="1"/>
+              <ma14:wrappingTextBoxFlag xmlns:ma14="http://schemas.microsoft.com/office/mac/drawingml/2011/main" xmlns="" val="1"/>
             </a:ext>
           </a:extLst>
         </p:spPr>
@@ -7615,37 +8336,12 @@
           <a:chExt cx="0" cy="0"/>
         </a:xfrm>
       </p:grpSpPr>
-      <p:sp>
-        <p:nvSpPr>
-          <p:cNvPr id="3" name="Title 2">
-            <a:extLst>
-              <a:ext uri="{FF2B5EF4-FFF2-40B4-BE49-F238E27FC236}">
-                <a16:creationId xmlns:a16="http://schemas.microsoft.com/office/drawing/2014/main" id="{2550E552-4C39-48F4-A115-DEDC07031B9E}"/>
-              </a:ext>
-            </a:extLst>
-          </p:cNvPr>
-          <p:cNvSpPr>
-            <a:spLocks noGrp="1"/>
-          </p:cNvSpPr>
-          <p:nvPr>
-            <p:ph type="title"/>
-          </p:nvPr>
-        </p:nvSpPr>
-        <p:spPr/>
-        <p:txBody>
-          <a:bodyPr/>
-          <a:lstStyle/>
-          <a:p>
-            <a:endParaRPr lang="en-CA"/>
-          </a:p>
-        </p:txBody>
-      </p:sp>
       <p:pic>
         <p:nvPicPr>
           <p:cNvPr id="4" name="Picture 3">
             <a:extLst>
               <a:ext uri="{FF2B5EF4-FFF2-40B4-BE49-F238E27FC236}">
-                <a16:creationId xmlns:a16="http://schemas.microsoft.com/office/drawing/2014/main" id="{391BD27F-419C-4456-8B8D-F1791D3D3FAD}"/>
+                <a16:creationId xmlns:a16="http://schemas.microsoft.com/office/drawing/2014/main" id="{8DDA3F73-0388-4DAC-BAE4-19B7E348FE69}"/>
               </a:ext>
             </a:extLst>
           </p:cNvPr>
@@ -7662,8 +8358,8 @@
         </p:blipFill>
         <p:spPr>
           <a:xfrm>
-            <a:off x="0" y="2076862"/>
-            <a:ext cx="12192000" cy="2704275"/>
+            <a:off x="3011826" y="598291"/>
+            <a:ext cx="5200650" cy="5391150"/>
           </a:xfrm>
           <a:prstGeom prst="rect">
             <a:avLst/>
@@ -7673,7 +8369,7 @@
     </p:spTree>
     <p:extLst>
       <p:ext uri="{BB962C8B-B14F-4D97-AF65-F5344CB8AC3E}">
-        <p14:creationId xmlns:p14="http://schemas.microsoft.com/office/powerpoint/2010/main" val="3900597756"/>
+        <p14:creationId xmlns:p14="http://schemas.microsoft.com/office/powerpoint/2010/main" val="3680918670"/>
       </p:ext>
     </p:extLst>
   </p:cSld>
@@ -7700,37 +8396,12 @@
           <a:chExt cx="0" cy="0"/>
         </a:xfrm>
       </p:grpSpPr>
-      <p:sp>
-        <p:nvSpPr>
-          <p:cNvPr id="3" name="Title 2">
-            <a:extLst>
-              <a:ext uri="{FF2B5EF4-FFF2-40B4-BE49-F238E27FC236}">
-                <a16:creationId xmlns:a16="http://schemas.microsoft.com/office/drawing/2014/main" id="{5EFA8BD5-F33D-4602-A121-4A773FC56544}"/>
-              </a:ext>
-            </a:extLst>
-          </p:cNvPr>
-          <p:cNvSpPr>
-            <a:spLocks noGrp="1"/>
-          </p:cNvSpPr>
-          <p:nvPr>
-            <p:ph type="title"/>
-          </p:nvPr>
-        </p:nvSpPr>
-        <p:spPr/>
-        <p:txBody>
-          <a:bodyPr/>
-          <a:lstStyle/>
-          <a:p>
-            <a:endParaRPr lang="en-CA"/>
-          </a:p>
-        </p:txBody>
-      </p:sp>
       <p:pic>
         <p:nvPicPr>
           <p:cNvPr id="4" name="Picture 3">
             <a:extLst>
               <a:ext uri="{FF2B5EF4-FFF2-40B4-BE49-F238E27FC236}">
-                <a16:creationId xmlns:a16="http://schemas.microsoft.com/office/drawing/2014/main" id="{84436323-54C9-41EA-A73C-9C3033AF4578}"/>
+                <a16:creationId xmlns:a16="http://schemas.microsoft.com/office/drawing/2014/main" id="{0A009E3D-3293-4E20-BF15-1B06A3C2C44D}"/>
               </a:ext>
             </a:extLst>
           </p:cNvPr>
@@ -7740,15 +8411,53 @@
           <p:nvPr/>
         </p:nvPicPr>
         <p:blipFill>
-          <a:blip r:embed="rId2"/>
+          <a:blip r:embed="rId3"/>
           <a:stretch>
             <a:fillRect/>
           </a:stretch>
         </p:blipFill>
         <p:spPr>
           <a:xfrm>
-            <a:off x="0" y="2033629"/>
-            <a:ext cx="12192000" cy="2790741"/>
+            <a:off x="802621" y="494691"/>
+            <a:ext cx="10901082" cy="2219429"/>
+          </a:xfrm>
+          <a:prstGeom prst="rect">
+            <a:avLst/>
+          </a:prstGeom>
+          <a:ln w="38100">
+            <a:solidFill>
+              <a:schemeClr val="accent1">
+                <a:lumMod val="60000"/>
+                <a:lumOff val="40000"/>
+              </a:schemeClr>
+            </a:solidFill>
+          </a:ln>
+        </p:spPr>
+      </p:pic>
+      <p:pic>
+        <p:nvPicPr>
+          <p:cNvPr id="2" name="Picture 1">
+            <a:extLst>
+              <a:ext uri="{FF2B5EF4-FFF2-40B4-BE49-F238E27FC236}">
+                <a16:creationId xmlns:a16="http://schemas.microsoft.com/office/drawing/2014/main" id="{D0C5D53D-B70A-4809-AA05-867854A53C58}"/>
+              </a:ext>
+            </a:extLst>
+          </p:cNvPr>
+          <p:cNvPicPr>
+            <a:picLocks noChangeAspect="1"/>
+          </p:cNvPicPr>
+          <p:nvPr/>
+        </p:nvPicPr>
+        <p:blipFill>
+          <a:blip r:embed="rId4"/>
+          <a:stretch>
+            <a:fillRect/>
+          </a:stretch>
+        </p:blipFill>
+        <p:spPr>
+          <a:xfrm>
+            <a:off x="314325" y="3119355"/>
+            <a:ext cx="11877675" cy="2686050"/>
           </a:xfrm>
           <a:prstGeom prst="rect">
             <a:avLst/>
@@ -7758,7 +8467,7 @@
     </p:spTree>
     <p:extLst>
       <p:ext uri="{BB962C8B-B14F-4D97-AF65-F5344CB8AC3E}">
-        <p14:creationId xmlns:p14="http://schemas.microsoft.com/office/powerpoint/2010/main" val="2728739638"/>
+        <p14:creationId xmlns:p14="http://schemas.microsoft.com/office/powerpoint/2010/main" val="3448348594"/>
       </p:ext>
     </p:extLst>
   </p:cSld>
@@ -7785,37 +8494,12 @@
           <a:chExt cx="0" cy="0"/>
         </a:xfrm>
       </p:grpSpPr>
-      <p:sp>
-        <p:nvSpPr>
-          <p:cNvPr id="3" name="Title 2">
-            <a:extLst>
-              <a:ext uri="{FF2B5EF4-FFF2-40B4-BE49-F238E27FC236}">
-                <a16:creationId xmlns:a16="http://schemas.microsoft.com/office/drawing/2014/main" id="{D81D7BF7-B3A6-42D6-9E47-8BB0F1778A72}"/>
-              </a:ext>
-            </a:extLst>
-          </p:cNvPr>
-          <p:cNvSpPr>
-            <a:spLocks noGrp="1"/>
-          </p:cNvSpPr>
-          <p:nvPr>
-            <p:ph type="title"/>
-          </p:nvPr>
-        </p:nvSpPr>
-        <p:spPr/>
-        <p:txBody>
-          <a:bodyPr/>
-          <a:lstStyle/>
-          <a:p>
-            <a:endParaRPr lang="en-CA"/>
-          </a:p>
-        </p:txBody>
-      </p:sp>
       <p:pic>
         <p:nvPicPr>
           <p:cNvPr id="4" name="Picture 3">
             <a:extLst>
               <a:ext uri="{FF2B5EF4-FFF2-40B4-BE49-F238E27FC236}">
-                <a16:creationId xmlns:a16="http://schemas.microsoft.com/office/drawing/2014/main" id="{D8FCDEDD-0A10-4BA0-8223-3204B9CF8702}"/>
+                <a16:creationId xmlns:a16="http://schemas.microsoft.com/office/drawing/2014/main" id="{CD0AFC2B-3890-4CDE-A7B6-86FCDD954E09}"/>
               </a:ext>
             </a:extLst>
           </p:cNvPr>
@@ -7832,8 +8516,46 @@
         </p:blipFill>
         <p:spPr>
           <a:xfrm>
-            <a:off x="0" y="2105733"/>
-            <a:ext cx="12192000" cy="2646534"/>
+            <a:off x="912465" y="378116"/>
+            <a:ext cx="10901082" cy="2417940"/>
+          </a:xfrm>
+          <a:prstGeom prst="rect">
+            <a:avLst/>
+          </a:prstGeom>
+          <a:ln w="38100">
+            <a:solidFill>
+              <a:schemeClr val="accent1">
+                <a:lumMod val="60000"/>
+                <a:lumOff val="40000"/>
+              </a:schemeClr>
+            </a:solidFill>
+          </a:ln>
+        </p:spPr>
+      </p:pic>
+      <p:pic>
+        <p:nvPicPr>
+          <p:cNvPr id="5" name="Picture 4">
+            <a:extLst>
+              <a:ext uri="{FF2B5EF4-FFF2-40B4-BE49-F238E27FC236}">
+                <a16:creationId xmlns:a16="http://schemas.microsoft.com/office/drawing/2014/main" id="{588BB337-6069-40FC-91D0-5996106E4137}"/>
+              </a:ext>
+            </a:extLst>
+          </p:cNvPr>
+          <p:cNvPicPr>
+            <a:picLocks noChangeAspect="1"/>
+          </p:cNvPicPr>
+          <p:nvPr/>
+        </p:nvPicPr>
+        <p:blipFill>
+          <a:blip r:embed="rId3"/>
+          <a:stretch>
+            <a:fillRect/>
+          </a:stretch>
+        </p:blipFill>
+        <p:spPr>
+          <a:xfrm>
+            <a:off x="686106" y="3261724"/>
+            <a:ext cx="11353800" cy="2800350"/>
           </a:xfrm>
           <a:prstGeom prst="rect">
             <a:avLst/>
@@ -7843,7 +8565,7 @@
     </p:spTree>
     <p:extLst>
       <p:ext uri="{BB962C8B-B14F-4D97-AF65-F5344CB8AC3E}">
-        <p14:creationId xmlns:p14="http://schemas.microsoft.com/office/powerpoint/2010/main" val="1465849013"/>
+        <p14:creationId xmlns:p14="http://schemas.microsoft.com/office/powerpoint/2010/main" val="1294100339"/>
       </p:ext>
     </p:extLst>
   </p:cSld>
@@ -7870,6 +8592,180 @@
           <a:chExt cx="0" cy="0"/>
         </a:xfrm>
       </p:grpSpPr>
+      <p:pic>
+        <p:nvPicPr>
+          <p:cNvPr id="5" name="Picture 4">
+            <a:extLst>
+              <a:ext uri="{FF2B5EF4-FFF2-40B4-BE49-F238E27FC236}">
+                <a16:creationId xmlns:a16="http://schemas.microsoft.com/office/drawing/2014/main" id="{379CCC0A-A26A-4461-AC19-5B8CED8FA6AB}"/>
+              </a:ext>
+            </a:extLst>
+          </p:cNvPr>
+          <p:cNvPicPr>
+            <a:picLocks noChangeAspect="1"/>
+          </p:cNvPicPr>
+          <p:nvPr/>
+        </p:nvPicPr>
+        <p:blipFill>
+          <a:blip r:embed="rId3"/>
+          <a:stretch>
+            <a:fillRect/>
+          </a:stretch>
+        </p:blipFill>
+        <p:spPr>
+          <a:xfrm>
+            <a:off x="221777" y="2176510"/>
+            <a:ext cx="11748445" cy="2504979"/>
+          </a:xfrm>
+          <a:prstGeom prst="rect">
+            <a:avLst/>
+          </a:prstGeom>
+          <a:ln w="38100">
+            <a:solidFill>
+              <a:schemeClr val="accent1">
+                <a:lumMod val="60000"/>
+                <a:lumOff val="40000"/>
+              </a:schemeClr>
+            </a:solidFill>
+          </a:ln>
+        </p:spPr>
+      </p:pic>
+    </p:spTree>
+    <p:extLst>
+      <p:ext uri="{BB962C8B-B14F-4D97-AF65-F5344CB8AC3E}">
+        <p14:creationId xmlns:p14="http://schemas.microsoft.com/office/powerpoint/2010/main" val="2142511003"/>
+      </p:ext>
+    </p:extLst>
+  </p:cSld>
+  <p:clrMapOvr>
+    <a:masterClrMapping/>
+  </p:clrMapOvr>
+</p:sld>
+</file>
+
+<file path=ppt/slides/slide14.xml><?xml version="1.0" encoding="utf-8"?>
+<p:sld xmlns:a="http://schemas.openxmlformats.org/drawingml/2006/main" xmlns:r="http://schemas.openxmlformats.org/officeDocument/2006/relationships" xmlns:p="http://schemas.openxmlformats.org/presentationml/2006/main">
+  <p:cSld>
+    <p:spTree>
+      <p:nvGrpSpPr>
+        <p:cNvPr id="1" name=""/>
+        <p:cNvGrpSpPr/>
+        <p:nvPr/>
+      </p:nvGrpSpPr>
+      <p:grpSpPr>
+        <a:xfrm>
+          <a:off x="0" y="0"/>
+          <a:ext cx="0" cy="0"/>
+          <a:chOff x="0" y="0"/>
+          <a:chExt cx="0" cy="0"/>
+        </a:xfrm>
+      </p:grpSpPr>
+      <p:pic>
+        <p:nvPicPr>
+          <p:cNvPr id="4" name="Picture 3">
+            <a:extLst>
+              <a:ext uri="{FF2B5EF4-FFF2-40B4-BE49-F238E27FC236}">
+                <a16:creationId xmlns:a16="http://schemas.microsoft.com/office/drawing/2014/main" id="{84436323-54C9-41EA-A73C-9C3033AF4578}"/>
+              </a:ext>
+            </a:extLst>
+          </p:cNvPr>
+          <p:cNvPicPr>
+            <a:picLocks noChangeAspect="1"/>
+          </p:cNvPicPr>
+          <p:nvPr/>
+        </p:nvPicPr>
+        <p:blipFill>
+          <a:blip r:embed="rId3"/>
+          <a:stretch>
+            <a:fillRect/>
+          </a:stretch>
+        </p:blipFill>
+        <p:spPr>
+          <a:xfrm>
+            <a:off x="968187" y="490573"/>
+            <a:ext cx="10675172" cy="2443540"/>
+          </a:xfrm>
+          <a:prstGeom prst="rect">
+            <a:avLst/>
+          </a:prstGeom>
+          <a:ln w="38100">
+            <a:solidFill>
+              <a:schemeClr val="accent1">
+                <a:lumMod val="60000"/>
+                <a:lumOff val="40000"/>
+              </a:schemeClr>
+            </a:solidFill>
+          </a:ln>
+        </p:spPr>
+      </p:pic>
+      <p:pic>
+        <p:nvPicPr>
+          <p:cNvPr id="5" name="Picture 4">
+            <a:extLst>
+              <a:ext uri="{FF2B5EF4-FFF2-40B4-BE49-F238E27FC236}">
+                <a16:creationId xmlns:a16="http://schemas.microsoft.com/office/drawing/2014/main" id="{97FC43EE-8F62-4962-BAFB-4BCE42B46E8E}"/>
+              </a:ext>
+            </a:extLst>
+          </p:cNvPr>
+          <p:cNvPicPr>
+            <a:picLocks noChangeAspect="1"/>
+          </p:cNvPicPr>
+          <p:nvPr/>
+        </p:nvPicPr>
+        <p:blipFill>
+          <a:blip r:embed="rId4"/>
+          <a:stretch>
+            <a:fillRect/>
+          </a:stretch>
+        </p:blipFill>
+        <p:spPr>
+          <a:xfrm>
+            <a:off x="922349" y="3806891"/>
+            <a:ext cx="10766849" cy="2337175"/>
+          </a:xfrm>
+          <a:prstGeom prst="rect">
+            <a:avLst/>
+          </a:prstGeom>
+          <a:ln w="38100">
+            <a:solidFill>
+              <a:schemeClr val="accent1">
+                <a:lumMod val="60000"/>
+                <a:lumOff val="40000"/>
+              </a:schemeClr>
+            </a:solidFill>
+          </a:ln>
+        </p:spPr>
+      </p:pic>
+    </p:spTree>
+    <p:extLst>
+      <p:ext uri="{BB962C8B-B14F-4D97-AF65-F5344CB8AC3E}">
+        <p14:creationId xmlns:p14="http://schemas.microsoft.com/office/powerpoint/2010/main" val="2728739638"/>
+      </p:ext>
+    </p:extLst>
+  </p:cSld>
+  <p:clrMapOvr>
+    <a:masterClrMapping/>
+  </p:clrMapOvr>
+</p:sld>
+</file>
+
+<file path=ppt/slides/slide15.xml><?xml version="1.0" encoding="utf-8"?>
+<p:sld xmlns:a="http://schemas.openxmlformats.org/drawingml/2006/main" xmlns:r="http://schemas.openxmlformats.org/officeDocument/2006/relationships" xmlns:p="http://schemas.openxmlformats.org/presentationml/2006/main">
+  <p:cSld>
+    <p:spTree>
+      <p:nvGrpSpPr>
+        <p:cNvPr id="1" name=""/>
+        <p:cNvGrpSpPr/>
+        <p:nvPr/>
+      </p:nvGrpSpPr>
+      <p:grpSpPr>
+        <a:xfrm>
+          <a:off x="0" y="0"/>
+          <a:ext cx="0" cy="0"/>
+          <a:chOff x="0" y="0"/>
+          <a:chExt cx="0" cy="0"/>
+        </a:xfrm>
+      </p:grpSpPr>
       <p:sp>
         <p:nvSpPr>
           <p:cNvPr id="3" name="Title 2">
@@ -7933,6 +8829,125 @@
     <p:extLst>
       <p:ext uri="{BB962C8B-B14F-4D97-AF65-F5344CB8AC3E}">
         <p14:creationId xmlns:p14="http://schemas.microsoft.com/office/powerpoint/2010/main" val="3658198862"/>
+      </p:ext>
+    </p:extLst>
+  </p:cSld>
+  <p:clrMapOvr>
+    <a:masterClrMapping/>
+  </p:clrMapOvr>
+</p:sld>
+</file>
+
+<file path=ppt/slides/slide16.xml><?xml version="1.0" encoding="utf-8"?>
+<p:sld xmlns:a="http://schemas.openxmlformats.org/drawingml/2006/main" xmlns:r="http://schemas.openxmlformats.org/officeDocument/2006/relationships" xmlns:p="http://schemas.openxmlformats.org/presentationml/2006/main">
+  <p:cSld>
+    <p:spTree>
+      <p:nvGrpSpPr>
+        <p:cNvPr id="1" name=""/>
+        <p:cNvGrpSpPr/>
+        <p:nvPr/>
+      </p:nvGrpSpPr>
+      <p:grpSpPr>
+        <a:xfrm>
+          <a:off x="0" y="0"/>
+          <a:ext cx="0" cy="0"/>
+          <a:chOff x="0" y="0"/>
+          <a:chExt cx="0" cy="0"/>
+        </a:xfrm>
+      </p:grpSpPr>
+      <p:sp>
+        <p:nvSpPr>
+          <p:cNvPr id="3" name="Title 2">
+            <a:extLst>
+              <a:ext uri="{FF2B5EF4-FFF2-40B4-BE49-F238E27FC236}">
+                <a16:creationId xmlns:a16="http://schemas.microsoft.com/office/drawing/2014/main" id="{AA2CEDB3-B4F2-4F10-8354-0A6B9F50029E}"/>
+              </a:ext>
+            </a:extLst>
+          </p:cNvPr>
+          <p:cNvSpPr>
+            <a:spLocks noGrp="1"/>
+          </p:cNvSpPr>
+          <p:nvPr>
+            <p:ph type="title"/>
+          </p:nvPr>
+        </p:nvSpPr>
+        <p:spPr/>
+        <p:txBody>
+          <a:bodyPr/>
+          <a:lstStyle/>
+          <a:p>
+            <a:pPr algn="ctr"/>
+            <a:r>
+              <a:rPr lang="en-CA" dirty="0"/>
+              <a:t>Software Decision Modules</a:t>
+            </a:r>
+          </a:p>
+        </p:txBody>
+      </p:sp>
+      <p:pic>
+        <p:nvPicPr>
+          <p:cNvPr id="2" name="Picture 1">
+            <a:extLst>
+              <a:ext uri="{FF2B5EF4-FFF2-40B4-BE49-F238E27FC236}">
+                <a16:creationId xmlns:a16="http://schemas.microsoft.com/office/drawing/2014/main" id="{FD7AF8D0-60D0-4C98-9A24-35341A0F0B6E}"/>
+              </a:ext>
+            </a:extLst>
+          </p:cNvPr>
+          <p:cNvPicPr>
+            <a:picLocks noChangeAspect="1"/>
+          </p:cNvPicPr>
+          <p:nvPr/>
+        </p:nvPicPr>
+        <p:blipFill>
+          <a:blip r:embed="rId3"/>
+          <a:stretch>
+            <a:fillRect/>
+          </a:stretch>
+        </p:blipFill>
+        <p:spPr>
+          <a:xfrm>
+            <a:off x="0" y="1181359"/>
+            <a:ext cx="12192000" cy="2530909"/>
+          </a:xfrm>
+          <a:prstGeom prst="rect">
+            <a:avLst/>
+          </a:prstGeom>
+        </p:spPr>
+      </p:pic>
+      <p:pic>
+        <p:nvPicPr>
+          <p:cNvPr id="5" name="Picture 4">
+            <a:extLst>
+              <a:ext uri="{FF2B5EF4-FFF2-40B4-BE49-F238E27FC236}">
+                <a16:creationId xmlns:a16="http://schemas.microsoft.com/office/drawing/2014/main" id="{F1BBF543-17DC-4E54-BF83-E10895E273D6}"/>
+              </a:ext>
+            </a:extLst>
+          </p:cNvPr>
+          <p:cNvPicPr>
+            <a:picLocks noChangeAspect="1"/>
+          </p:cNvPicPr>
+          <p:nvPr/>
+        </p:nvPicPr>
+        <p:blipFill>
+          <a:blip r:embed="rId4"/>
+          <a:stretch>
+            <a:fillRect/>
+          </a:stretch>
+        </p:blipFill>
+        <p:spPr>
+          <a:xfrm>
+            <a:off x="0" y="3712268"/>
+            <a:ext cx="12192000" cy="2404925"/>
+          </a:xfrm>
+          <a:prstGeom prst="rect">
+            <a:avLst/>
+          </a:prstGeom>
+        </p:spPr>
+      </p:pic>
+    </p:spTree>
+    <p:extLst>
+      <p:ext uri="{BB962C8B-B14F-4D97-AF65-F5344CB8AC3E}">
+        <p14:creationId xmlns:p14="http://schemas.microsoft.com/office/powerpoint/2010/main" val="2262296557"/>
       </p:ext>
     </p:extLst>
   </p:cSld>
@@ -8239,6 +9254,192 @@
 </file>
 
 <file path=ppt/slides/slide3.xml><?xml version="1.0" encoding="utf-8"?>
+<p:sld xmlns:a="http://schemas.openxmlformats.org/drawingml/2006/main" xmlns:r="http://schemas.openxmlformats.org/officeDocument/2006/relationships" xmlns:p="http://schemas.openxmlformats.org/presentationml/2006/main">
+  <p:cSld>
+    <p:spTree>
+      <p:nvGrpSpPr>
+        <p:cNvPr id="1" name=""/>
+        <p:cNvGrpSpPr/>
+        <p:nvPr/>
+      </p:nvGrpSpPr>
+      <p:grpSpPr>
+        <a:xfrm>
+          <a:off x="0" y="0"/>
+          <a:ext cx="0" cy="0"/>
+          <a:chOff x="0" y="0"/>
+          <a:chExt cx="0" cy="0"/>
+        </a:xfrm>
+      </p:grpSpPr>
+      <p:pic>
+        <p:nvPicPr>
+          <p:cNvPr id="4" name="Picture 3" descr="A screenshot of a cell phone&#10;&#10;Description automatically generated">
+            <a:extLst>
+              <a:ext uri="{FF2B5EF4-FFF2-40B4-BE49-F238E27FC236}">
+                <a16:creationId xmlns:a16="http://schemas.microsoft.com/office/drawing/2014/main" id="{0746AE0E-ECB1-4FE3-98F6-7A0FB8A60304}"/>
+              </a:ext>
+            </a:extLst>
+          </p:cNvPr>
+          <p:cNvPicPr>
+            <a:picLocks noChangeAspect="1"/>
+          </p:cNvPicPr>
+          <p:nvPr/>
+        </p:nvPicPr>
+        <p:blipFill>
+          <a:blip r:embed="rId3"/>
+          <a:stretch>
+            <a:fillRect/>
+          </a:stretch>
+        </p:blipFill>
+        <p:spPr>
+          <a:xfrm>
+            <a:off x="891770" y="424069"/>
+            <a:ext cx="9364933" cy="6009862"/>
+          </a:xfrm>
+          <a:prstGeom prst="rect">
+            <a:avLst/>
+          </a:prstGeom>
+        </p:spPr>
+      </p:pic>
+      <p:sp>
+        <p:nvSpPr>
+          <p:cNvPr id="5" name="Oval 4">
+            <a:extLst>
+              <a:ext uri="{FF2B5EF4-FFF2-40B4-BE49-F238E27FC236}">
+                <a16:creationId xmlns:a16="http://schemas.microsoft.com/office/drawing/2014/main" id="{2E25B590-B8B6-4492-A45A-C8B37BBA805C}"/>
+              </a:ext>
+            </a:extLst>
+          </p:cNvPr>
+          <p:cNvSpPr/>
+          <p:nvPr/>
+        </p:nvSpPr>
+        <p:spPr>
+          <a:xfrm>
+            <a:off x="4803354" y="132202"/>
+            <a:ext cx="6411817" cy="6648601"/>
+          </a:xfrm>
+          <a:prstGeom prst="ellipse">
+            <a:avLst/>
+          </a:prstGeom>
+          <a:noFill/>
+          <a:ln w="76200"/>
+        </p:spPr>
+        <p:style>
+          <a:lnRef idx="2">
+            <a:schemeClr val="accent1">
+              <a:shade val="50000"/>
+            </a:schemeClr>
+          </a:lnRef>
+          <a:fillRef idx="1">
+            <a:schemeClr val="accent1"/>
+          </a:fillRef>
+          <a:effectRef idx="0">
+            <a:schemeClr val="accent1"/>
+          </a:effectRef>
+          <a:fontRef idx="minor">
+            <a:schemeClr val="lt1"/>
+          </a:fontRef>
+        </p:style>
+        <p:txBody>
+          <a:bodyPr rtlCol="0" anchor="ctr"/>
+          <a:lstStyle/>
+          <a:p>
+            <a:pPr algn="ctr"/>
+            <a:endParaRPr lang="en-CA"/>
+          </a:p>
+        </p:txBody>
+      </p:sp>
+    </p:spTree>
+    <p:extLst>
+      <p:ext uri="{BB962C8B-B14F-4D97-AF65-F5344CB8AC3E}">
+        <p14:creationId xmlns:p14="http://schemas.microsoft.com/office/powerpoint/2010/main" val="335516821"/>
+      </p:ext>
+    </p:extLst>
+  </p:cSld>
+  <p:clrMapOvr>
+    <a:masterClrMapping/>
+  </p:clrMapOvr>
+  <p:timing>
+    <p:tnLst>
+      <p:par>
+        <p:cTn id="1" dur="indefinite" restart="never" nodeType="tmRoot">
+          <p:childTnLst>
+            <p:seq concurrent="1" nextAc="seek">
+              <p:cTn id="2" dur="indefinite" nodeType="mainSeq">
+                <p:childTnLst>
+                  <p:par>
+                    <p:cTn id="3" fill="hold">
+                      <p:stCondLst>
+                        <p:cond delay="indefinite"/>
+                      </p:stCondLst>
+                      <p:childTnLst>
+                        <p:par>
+                          <p:cTn id="4" fill="hold">
+                            <p:stCondLst>
+                              <p:cond delay="0"/>
+                            </p:stCondLst>
+                            <p:childTnLst>
+                              <p:par>
+                                <p:cTn id="5" presetID="1" presetClass="entr" presetSubtype="0" fill="hold" grpId="0" nodeType="clickEffect">
+                                  <p:stCondLst>
+                                    <p:cond delay="0"/>
+                                  </p:stCondLst>
+                                  <p:childTnLst>
+                                    <p:set>
+                                      <p:cBhvr>
+                                        <p:cTn id="6" dur="1" fill="hold">
+                                          <p:stCondLst>
+                                            <p:cond delay="0"/>
+                                          </p:stCondLst>
+                                        </p:cTn>
+                                        <p:tgtEl>
+                                          <p:spTgt spid="5"/>
+                                        </p:tgtEl>
+                                        <p:attrNameLst>
+                                          <p:attrName>style.visibility</p:attrName>
+                                        </p:attrNameLst>
+                                      </p:cBhvr>
+                                      <p:to>
+                                        <p:strVal val="visible"/>
+                                      </p:to>
+                                    </p:set>
+                                  </p:childTnLst>
+                                </p:cTn>
+                              </p:par>
+                            </p:childTnLst>
+                          </p:cTn>
+                        </p:par>
+                      </p:childTnLst>
+                    </p:cTn>
+                  </p:par>
+                </p:childTnLst>
+              </p:cTn>
+              <p:prevCondLst>
+                <p:cond evt="onPrev" delay="0">
+                  <p:tgtEl>
+                    <p:sldTgt/>
+                  </p:tgtEl>
+                </p:cond>
+              </p:prevCondLst>
+              <p:nextCondLst>
+                <p:cond evt="onNext" delay="0">
+                  <p:tgtEl>
+                    <p:sldTgt/>
+                  </p:tgtEl>
+                </p:cond>
+              </p:nextCondLst>
+            </p:seq>
+          </p:childTnLst>
+        </p:cTn>
+      </p:par>
+    </p:tnLst>
+    <p:bldLst>
+      <p:bldP spid="5" grpId="0" animBg="1"/>
+    </p:bldLst>
+  </p:timing>
+</p:sld>
+</file>
+
+<file path=ppt/slides/slide4.xml><?xml version="1.0" encoding="utf-8"?>
 <p:sld xmlns:a="http://schemas.openxmlformats.org/drawingml/2006/main" xmlns:r="http://schemas.openxmlformats.org/officeDocument/2006/relationships" xmlns:p="http://schemas.openxmlformats.org/presentationml/2006/main">
   <p:cSld>
     <p:spTree>
@@ -8694,7 +9895,7 @@
 </p:sld>
 </file>
 
-<file path=ppt/slides/slide4.xml><?xml version="1.0" encoding="utf-8"?>
+<file path=ppt/slides/slide5.xml><?xml version="1.0" encoding="utf-8"?>
 <p:sld xmlns:a="http://schemas.openxmlformats.org/drawingml/2006/main" xmlns:r="http://schemas.openxmlformats.org/officeDocument/2006/relationships" xmlns:p="http://schemas.openxmlformats.org/presentationml/2006/main">
   <p:cSld>
     <p:spTree>
@@ -8956,65 +10157,6 @@
 </p:sld>
 </file>
 
-<file path=ppt/slides/slide5.xml><?xml version="1.0" encoding="utf-8"?>
-<p:sld xmlns:a="http://schemas.openxmlformats.org/drawingml/2006/main" xmlns:r="http://schemas.openxmlformats.org/officeDocument/2006/relationships" xmlns:p="http://schemas.openxmlformats.org/presentationml/2006/main">
-  <p:cSld>
-    <p:spTree>
-      <p:nvGrpSpPr>
-        <p:cNvPr id="1" name=""/>
-        <p:cNvGrpSpPr/>
-        <p:nvPr/>
-      </p:nvGrpSpPr>
-      <p:grpSpPr>
-        <a:xfrm>
-          <a:off x="0" y="0"/>
-          <a:ext cx="0" cy="0"/>
-          <a:chOff x="0" y="0"/>
-          <a:chExt cx="0" cy="0"/>
-        </a:xfrm>
-      </p:grpSpPr>
-      <p:pic>
-        <p:nvPicPr>
-          <p:cNvPr id="3" name="Picture 2">
-            <a:extLst>
-              <a:ext uri="{FF2B5EF4-FFF2-40B4-BE49-F238E27FC236}">
-                <a16:creationId xmlns:a16="http://schemas.microsoft.com/office/drawing/2014/main" id="{6F258995-629E-4799-9ABA-F5FA15F81928}"/>
-              </a:ext>
-            </a:extLst>
-          </p:cNvPr>
-          <p:cNvPicPr>
-            <a:picLocks noChangeAspect="1"/>
-          </p:cNvPicPr>
-          <p:nvPr/>
-        </p:nvPicPr>
-        <p:blipFill rotWithShape="1">
-          <a:blip r:embed="rId3"/>
-          <a:srcRect l="-6706" r="6706"/>
-          <a:stretch/>
-        </p:blipFill>
-        <p:spPr>
-          <a:xfrm>
-            <a:off x="0" y="322643"/>
-            <a:ext cx="12192000" cy="6212713"/>
-          </a:xfrm>
-          <a:prstGeom prst="rect">
-            <a:avLst/>
-          </a:prstGeom>
-        </p:spPr>
-      </p:pic>
-    </p:spTree>
-    <p:extLst>
-      <p:ext uri="{BB962C8B-B14F-4D97-AF65-F5344CB8AC3E}">
-        <p14:creationId xmlns:p14="http://schemas.microsoft.com/office/powerpoint/2010/main" val="4080295408"/>
-      </p:ext>
-    </p:extLst>
-  </p:cSld>
-  <p:clrMapOvr>
-    <a:masterClrMapping/>
-  </p:clrMapOvr>
-</p:sld>
-</file>
-
 <file path=ppt/slides/slide6.xml><?xml version="1.0" encoding="utf-8"?>
 <p:sld xmlns:a="http://schemas.openxmlformats.org/drawingml/2006/main" xmlns:r="http://schemas.openxmlformats.org/officeDocument/2006/relationships" xmlns:p="http://schemas.openxmlformats.org/presentationml/2006/main">
   <p:cSld>
@@ -9034,6 +10176,65 @@
       </p:grpSpPr>
       <p:pic>
         <p:nvPicPr>
+          <p:cNvPr id="2" name="Picture 1">
+            <a:extLst>
+              <a:ext uri="{FF2B5EF4-FFF2-40B4-BE49-F238E27FC236}">
+                <a16:creationId xmlns:a16="http://schemas.microsoft.com/office/drawing/2014/main" id="{40B4850D-CA93-48DD-B5DF-589490FCF22C}"/>
+              </a:ext>
+            </a:extLst>
+          </p:cNvPr>
+          <p:cNvPicPr>
+            <a:picLocks noChangeAspect="1"/>
+          </p:cNvPicPr>
+          <p:nvPr/>
+        </p:nvPicPr>
+        <p:blipFill rotWithShape="1">
+          <a:blip r:embed="rId3"/>
+          <a:srcRect r="6371"/>
+          <a:stretch/>
+        </p:blipFill>
+        <p:spPr>
+          <a:xfrm>
+            <a:off x="667347" y="303293"/>
+            <a:ext cx="10165604" cy="6251414"/>
+          </a:xfrm>
+          <a:prstGeom prst="rect">
+            <a:avLst/>
+          </a:prstGeom>
+        </p:spPr>
+      </p:pic>
+    </p:spTree>
+    <p:extLst>
+      <p:ext uri="{BB962C8B-B14F-4D97-AF65-F5344CB8AC3E}">
+        <p14:creationId xmlns:p14="http://schemas.microsoft.com/office/powerpoint/2010/main" val="4080295408"/>
+      </p:ext>
+    </p:extLst>
+  </p:cSld>
+  <p:clrMapOvr>
+    <a:masterClrMapping/>
+  </p:clrMapOvr>
+</p:sld>
+</file>
+
+<file path=ppt/slides/slide7.xml><?xml version="1.0" encoding="utf-8"?>
+<p:sld xmlns:a="http://schemas.openxmlformats.org/drawingml/2006/main" xmlns:r="http://schemas.openxmlformats.org/officeDocument/2006/relationships" xmlns:p="http://schemas.openxmlformats.org/presentationml/2006/main">
+  <p:cSld>
+    <p:spTree>
+      <p:nvGrpSpPr>
+        <p:cNvPr id="1" name=""/>
+        <p:cNvGrpSpPr/>
+        <p:nvPr/>
+      </p:nvGrpSpPr>
+      <p:grpSpPr>
+        <a:xfrm>
+          <a:off x="0" y="0"/>
+          <a:ext cx="0" cy="0"/>
+          <a:chOff x="0" y="0"/>
+          <a:chExt cx="0" cy="0"/>
+        </a:xfrm>
+      </p:grpSpPr>
+      <p:pic>
+        <p:nvPicPr>
           <p:cNvPr id="64" name="Picture 63">
             <a:extLst>
               <a:ext uri="{FF2B5EF4-FFF2-40B4-BE49-F238E27FC236}">
@@ -9350,7 +10551,7 @@
         </p:blipFill>
         <p:spPr>
           <a:xfrm>
-            <a:off x="7057166" y="5986122"/>
+            <a:off x="5084257" y="6007983"/>
             <a:ext cx="1592599" cy="383289"/>
           </a:xfrm>
           <a:prstGeom prst="rect">
@@ -9437,7 +10638,7 @@
         </p:blipFill>
         <p:spPr>
           <a:xfrm>
-            <a:off x="2667896" y="6030895"/>
+            <a:off x="1149622" y="6030370"/>
             <a:ext cx="2106508" cy="338516"/>
           </a:xfrm>
           <a:prstGeom prst="rect">
@@ -9524,7 +10725,7 @@
         </p:blipFill>
         <p:spPr>
           <a:xfrm>
-            <a:off x="4958508" y="6007984"/>
+            <a:off x="3256130" y="6029845"/>
             <a:ext cx="1959425" cy="339566"/>
           </a:xfrm>
           <a:prstGeom prst="rect">
@@ -9672,8 +10873,8 @@
         </p:nvSpPr>
         <p:spPr>
           <a:xfrm>
-            <a:off x="2667896" y="5701553"/>
-            <a:ext cx="6121102" cy="955483"/>
+            <a:off x="1129553" y="5701553"/>
+            <a:ext cx="10165976" cy="955483"/>
           </a:xfrm>
           <a:prstGeom prst="rect">
             <a:avLst/>
@@ -9706,6 +10907,64 @@
           </a:p>
         </p:txBody>
       </p:sp>
+      <p:pic>
+        <p:nvPicPr>
+          <p:cNvPr id="23" name="Picture 22">
+            <a:extLst>
+              <a:ext uri="{FF2B5EF4-FFF2-40B4-BE49-F238E27FC236}">
+                <a16:creationId xmlns:a16="http://schemas.microsoft.com/office/drawing/2014/main" id="{D6AAD56A-ED8B-4CE7-B53C-BBBDAEBBD6FB}"/>
+              </a:ext>
+            </a:extLst>
+          </p:cNvPr>
+          <p:cNvPicPr>
+            <a:picLocks noChangeAspect="1"/>
+          </p:cNvPicPr>
+          <p:nvPr/>
+        </p:nvPicPr>
+        <p:blipFill rotWithShape="1">
+          <a:blip r:embed="rId5"/>
+          <a:srcRect l="34874" t="76984" r="38077" b="18059"/>
+          <a:stretch/>
+        </p:blipFill>
+        <p:spPr>
+          <a:xfrm>
+            <a:off x="6656691" y="6072024"/>
+            <a:ext cx="2279276" cy="240496"/>
+          </a:xfrm>
+          <a:prstGeom prst="rect">
+            <a:avLst/>
+          </a:prstGeom>
+        </p:spPr>
+      </p:pic>
+      <p:pic>
+        <p:nvPicPr>
+          <p:cNvPr id="24" name="Picture 23">
+            <a:extLst>
+              <a:ext uri="{FF2B5EF4-FFF2-40B4-BE49-F238E27FC236}">
+                <a16:creationId xmlns:a16="http://schemas.microsoft.com/office/drawing/2014/main" id="{8FD5A0A0-2265-4856-B76F-6DF7A0FE53BA}"/>
+              </a:ext>
+            </a:extLst>
+          </p:cNvPr>
+          <p:cNvPicPr>
+            <a:picLocks noChangeAspect="1"/>
+          </p:cNvPicPr>
+          <p:nvPr/>
+        </p:nvPicPr>
+        <p:blipFill rotWithShape="1">
+          <a:blip r:embed="rId5"/>
+          <a:srcRect l="35667" t="83538" r="39151" b="11030"/>
+          <a:stretch/>
+        </p:blipFill>
+        <p:spPr>
+          <a:xfrm>
+            <a:off x="8975875" y="6041988"/>
+            <a:ext cx="2237537" cy="277887"/>
+          </a:xfrm>
+          <a:prstGeom prst="rect">
+            <a:avLst/>
+          </a:prstGeom>
+        </p:spPr>
+      </p:pic>
     </p:spTree>
     <p:extLst>
       <p:ext uri="{BB962C8B-B14F-4D97-AF65-F5344CB8AC3E}">
@@ -9844,6 +11103,60 @@
                                   </p:childTnLst>
                                 </p:cTn>
                               </p:par>
+                              <p:par>
+                                <p:cTn id="13" presetID="1" presetClass="entr" presetSubtype="0" fill="hold" nodeType="withEffect">
+                                  <p:stCondLst>
+                                    <p:cond delay="0"/>
+                                  </p:stCondLst>
+                                  <p:childTnLst>
+                                    <p:set>
+                                      <p:cBhvr>
+                                        <p:cTn id="14" dur="1" fill="hold">
+                                          <p:stCondLst>
+                                            <p:cond delay="0"/>
+                                          </p:stCondLst>
+                                        </p:cTn>
+                                        <p:tgtEl>
+                                          <p:spTgt spid="23"/>
+                                        </p:tgtEl>
+                                        <p:attrNameLst>
+                                          <p:attrName>style.visibility</p:attrName>
+                                        </p:attrNameLst>
+                                      </p:cBhvr>
+                                      <p:to>
+                                        <p:strVal val="visible"/>
+                                      </p:to>
+                                    </p:set>
+                                  </p:childTnLst>
+                                </p:cTn>
+                              </p:par>
+                              <p:par>
+                                <p:cTn id="15" presetID="1" presetClass="entr" presetSubtype="0" fill="hold" nodeType="withEffect">
+                                  <p:stCondLst>
+                                    <p:cond delay="0"/>
+                                  </p:stCondLst>
+                                  <p:childTnLst>
+                                    <p:set>
+                                      <p:cBhvr>
+                                        <p:cTn id="16" dur="1" fill="hold">
+                                          <p:stCondLst>
+                                            <p:cond delay="0"/>
+                                          </p:stCondLst>
+                                        </p:cTn>
+                                        <p:tgtEl>
+                                          <p:spTgt spid="24"/>
+                                        </p:tgtEl>
+                                        <p:attrNameLst>
+                                          <p:attrName>style.visibility</p:attrName>
+                                        </p:attrNameLst>
+                                      </p:cBhvr>
+                                      <p:to>
+                                        <p:strVal val="visible"/>
+                                      </p:to>
+                                    </p:set>
+                                  </p:childTnLst>
+                                </p:cTn>
+                              </p:par>
                             </p:childTnLst>
                           </p:cTn>
                         </p:par>
@@ -9878,94 +11191,6 @@
 </p:sld>
 </file>
 
-<file path=ppt/slides/slide7.xml><?xml version="1.0" encoding="utf-8"?>
-<p:sld xmlns:a="http://schemas.openxmlformats.org/drawingml/2006/main" xmlns:r="http://schemas.openxmlformats.org/officeDocument/2006/relationships" xmlns:p="http://schemas.openxmlformats.org/presentationml/2006/main">
-  <p:cSld>
-    <p:spTree>
-      <p:nvGrpSpPr>
-        <p:cNvPr id="1" name=""/>
-        <p:cNvGrpSpPr/>
-        <p:nvPr/>
-      </p:nvGrpSpPr>
-      <p:grpSpPr>
-        <a:xfrm>
-          <a:off x="0" y="0"/>
-          <a:ext cx="0" cy="0"/>
-          <a:chOff x="0" y="0"/>
-          <a:chExt cx="0" cy="0"/>
-        </a:xfrm>
-      </p:grpSpPr>
-      <p:sp>
-        <p:nvSpPr>
-          <p:cNvPr id="2" name="Title 1">
-            <a:extLst>
-              <a:ext uri="{FF2B5EF4-FFF2-40B4-BE49-F238E27FC236}">
-                <a16:creationId xmlns:a16="http://schemas.microsoft.com/office/drawing/2014/main" id="{09489FED-F406-479B-A6F7-E42EF5F85BD2}"/>
-              </a:ext>
-            </a:extLst>
-          </p:cNvPr>
-          <p:cNvSpPr>
-            <a:spLocks noGrp="1"/>
-          </p:cNvSpPr>
-          <p:nvPr>
-            <p:ph type="title"/>
-          </p:nvPr>
-        </p:nvSpPr>
-        <p:spPr/>
-        <p:txBody>
-          <a:bodyPr/>
-          <a:lstStyle/>
-          <a:p>
-            <a:r>
-              <a:rPr lang="en-CA" dirty="0"/>
-              <a:t>Scene Module</a:t>
-            </a:r>
-          </a:p>
-        </p:txBody>
-      </p:sp>
-      <p:pic>
-        <p:nvPicPr>
-          <p:cNvPr id="7" name="Picture 6">
-            <a:extLst>
-              <a:ext uri="{FF2B5EF4-FFF2-40B4-BE49-F238E27FC236}">
-                <a16:creationId xmlns:a16="http://schemas.microsoft.com/office/drawing/2014/main" id="{314316B5-E060-45AC-A25F-5908D07AE831}"/>
-              </a:ext>
-            </a:extLst>
-          </p:cNvPr>
-          <p:cNvPicPr>
-            <a:picLocks noChangeAspect="1"/>
-          </p:cNvPicPr>
-          <p:nvPr/>
-        </p:nvPicPr>
-        <p:blipFill>
-          <a:blip r:embed="rId2"/>
-          <a:stretch>
-            <a:fillRect/>
-          </a:stretch>
-        </p:blipFill>
-        <p:spPr>
-          <a:xfrm>
-            <a:off x="142875" y="2052637"/>
-            <a:ext cx="11906250" cy="2752725"/>
-          </a:xfrm>
-          <a:prstGeom prst="rect">
-            <a:avLst/>
-          </a:prstGeom>
-        </p:spPr>
-      </p:pic>
-    </p:spTree>
-    <p:extLst>
-      <p:ext uri="{BB962C8B-B14F-4D97-AF65-F5344CB8AC3E}">
-        <p14:creationId xmlns:p14="http://schemas.microsoft.com/office/powerpoint/2010/main" val="2142511003"/>
-      </p:ext>
-    </p:extLst>
-  </p:cSld>
-  <p:clrMapOvr>
-    <a:masterClrMapping/>
-  </p:clrMapOvr>
-</p:sld>
-</file>
-
 <file path=ppt/slides/slide8.xml><?xml version="1.0" encoding="utf-8"?>
 <p:sld xmlns:a="http://schemas.openxmlformats.org/drawingml/2006/main" xmlns:r="http://schemas.openxmlformats.org/officeDocument/2006/relationships" xmlns:p="http://schemas.openxmlformats.org/presentationml/2006/main">
   <p:cSld>
@@ -9983,37 +11208,12 @@
           <a:chExt cx="0" cy="0"/>
         </a:xfrm>
       </p:grpSpPr>
-      <p:sp>
-        <p:nvSpPr>
-          <p:cNvPr id="3" name="Title 2">
-            <a:extLst>
-              <a:ext uri="{FF2B5EF4-FFF2-40B4-BE49-F238E27FC236}">
-                <a16:creationId xmlns:a16="http://schemas.microsoft.com/office/drawing/2014/main" id="{7EB4A206-AD78-4DB6-BD0D-BE02534597C1}"/>
-              </a:ext>
-            </a:extLst>
-          </p:cNvPr>
-          <p:cNvSpPr>
-            <a:spLocks noGrp="1"/>
-          </p:cNvSpPr>
-          <p:nvPr>
-            <p:ph type="title"/>
-          </p:nvPr>
-        </p:nvSpPr>
-        <p:spPr/>
-        <p:txBody>
-          <a:bodyPr/>
-          <a:lstStyle/>
-          <a:p>
-            <a:endParaRPr lang="en-CA"/>
-          </a:p>
-        </p:txBody>
-      </p:sp>
       <p:pic>
         <p:nvPicPr>
-          <p:cNvPr id="4" name="Picture 3">
-            <a:extLst>
-              <a:ext uri="{FF2B5EF4-FFF2-40B4-BE49-F238E27FC236}">
-                <a16:creationId xmlns:a16="http://schemas.microsoft.com/office/drawing/2014/main" id="{D72DCA18-2FA8-4FE4-98C9-F2E96DAAD1E7}"/>
+          <p:cNvPr id="5" name="Picture 4">
+            <a:extLst>
+              <a:ext uri="{FF2B5EF4-FFF2-40B4-BE49-F238E27FC236}">
+                <a16:creationId xmlns:a16="http://schemas.microsoft.com/office/drawing/2014/main" id="{0811CA4F-4E02-41B6-9DC0-C0AFF3F3A4B9}"/>
               </a:ext>
             </a:extLst>
           </p:cNvPr>
@@ -10022,26 +11222,970 @@
           </p:cNvPicPr>
           <p:nvPr/>
         </p:nvPicPr>
-        <p:blipFill>
-          <a:blip r:embed="rId2"/>
-          <a:stretch>
-            <a:fillRect/>
-          </a:stretch>
+        <p:blipFill rotWithShape="1">
+          <a:blip r:embed="rId3"/>
+          <a:srcRect l="34340" t="83354" r="38985" b="10796"/>
+          <a:stretch/>
         </p:blipFill>
         <p:spPr>
           <a:xfrm>
-            <a:off x="0" y="2278746"/>
-            <a:ext cx="12192000" cy="2687782"/>
+            <a:off x="3669664" y="4922263"/>
+            <a:ext cx="2896229" cy="365760"/>
           </a:xfrm>
           <a:prstGeom prst="rect">
             <a:avLst/>
           </a:prstGeom>
+          <a:ln w="38100">
+            <a:solidFill>
+              <a:schemeClr val="accent1">
+                <a:lumMod val="75000"/>
+              </a:schemeClr>
+            </a:solidFill>
+          </a:ln>
         </p:spPr>
       </p:pic>
+      <p:pic>
+        <p:nvPicPr>
+          <p:cNvPr id="6" name="Picture 5">
+            <a:extLst>
+              <a:ext uri="{FF2B5EF4-FFF2-40B4-BE49-F238E27FC236}">
+                <a16:creationId xmlns:a16="http://schemas.microsoft.com/office/drawing/2014/main" id="{0D1F0F5F-1FC5-47EF-A1AC-B50385470858}"/>
+              </a:ext>
+            </a:extLst>
+          </p:cNvPr>
+          <p:cNvPicPr>
+            <a:picLocks noChangeAspect="1"/>
+          </p:cNvPicPr>
+          <p:nvPr/>
+        </p:nvPicPr>
+        <p:blipFill rotWithShape="1">
+          <a:blip r:embed="rId3"/>
+          <a:srcRect l="34340" t="20174" r="47666" b="72954"/>
+          <a:stretch/>
+        </p:blipFill>
+        <p:spPr>
+          <a:xfrm>
+            <a:off x="5323263" y="413526"/>
+            <a:ext cx="1953658" cy="429658"/>
+          </a:xfrm>
+          <a:prstGeom prst="rect">
+            <a:avLst/>
+          </a:prstGeom>
+          <a:ln w="28575">
+            <a:solidFill>
+              <a:schemeClr val="accent1">
+                <a:lumMod val="75000"/>
+              </a:schemeClr>
+            </a:solidFill>
+          </a:ln>
+        </p:spPr>
+      </p:pic>
+      <p:pic>
+        <p:nvPicPr>
+          <p:cNvPr id="7" name="Picture 6">
+            <a:extLst>
+              <a:ext uri="{FF2B5EF4-FFF2-40B4-BE49-F238E27FC236}">
+                <a16:creationId xmlns:a16="http://schemas.microsoft.com/office/drawing/2014/main" id="{5C25F59B-3B3A-4095-84CC-1C71E92AC3DE}"/>
+              </a:ext>
+            </a:extLst>
+          </p:cNvPr>
+          <p:cNvPicPr>
+            <a:picLocks noChangeAspect="1"/>
+          </p:cNvPicPr>
+          <p:nvPr/>
+        </p:nvPicPr>
+        <p:blipFill rotWithShape="1">
+          <a:blip r:embed="rId3"/>
+          <a:srcRect l="35228" t="27536" r="46778" b="66958"/>
+          <a:stretch/>
+        </p:blipFill>
+        <p:spPr>
+          <a:xfrm>
+            <a:off x="2684435" y="3818217"/>
+            <a:ext cx="1953658" cy="344245"/>
+          </a:xfrm>
+          <a:prstGeom prst="rect">
+            <a:avLst/>
+          </a:prstGeom>
+          <a:ln w="38100">
+            <a:solidFill>
+              <a:schemeClr val="accent1">
+                <a:lumMod val="75000"/>
+              </a:schemeClr>
+            </a:solidFill>
+          </a:ln>
+        </p:spPr>
+      </p:pic>
+      <p:pic>
+        <p:nvPicPr>
+          <p:cNvPr id="8" name="Picture 7">
+            <a:extLst>
+              <a:ext uri="{FF2B5EF4-FFF2-40B4-BE49-F238E27FC236}">
+                <a16:creationId xmlns:a16="http://schemas.microsoft.com/office/drawing/2014/main" id="{C1A25289-B325-45BA-AEED-8BF931D880EE}"/>
+              </a:ext>
+            </a:extLst>
+          </p:cNvPr>
+          <p:cNvPicPr>
+            <a:picLocks noChangeAspect="1"/>
+          </p:cNvPicPr>
+          <p:nvPr/>
+        </p:nvPicPr>
+        <p:blipFill rotWithShape="1">
+          <a:blip r:embed="rId3"/>
+          <a:srcRect l="34637" t="34441" r="39736" b="60052"/>
+          <a:stretch/>
+        </p:blipFill>
+        <p:spPr>
+          <a:xfrm>
+            <a:off x="4908910" y="3818217"/>
+            <a:ext cx="2782365" cy="344246"/>
+          </a:xfrm>
+          <a:prstGeom prst="rect">
+            <a:avLst/>
+          </a:prstGeom>
+          <a:ln w="38100">
+            <a:solidFill>
+              <a:schemeClr val="accent1">
+                <a:lumMod val="75000"/>
+              </a:schemeClr>
+            </a:solidFill>
+          </a:ln>
+        </p:spPr>
+      </p:pic>
+      <p:pic>
+        <p:nvPicPr>
+          <p:cNvPr id="9" name="Picture 8">
+            <a:extLst>
+              <a:ext uri="{FF2B5EF4-FFF2-40B4-BE49-F238E27FC236}">
+                <a16:creationId xmlns:a16="http://schemas.microsoft.com/office/drawing/2014/main" id="{3DCAC481-59DE-450F-848B-8C1E0A5E17AD}"/>
+              </a:ext>
+            </a:extLst>
+          </p:cNvPr>
+          <p:cNvPicPr>
+            <a:picLocks noChangeAspect="1"/>
+          </p:cNvPicPr>
+          <p:nvPr/>
+        </p:nvPicPr>
+        <p:blipFill rotWithShape="1">
+          <a:blip r:embed="rId3"/>
+          <a:srcRect l="35196" t="40529" r="44492" b="53393"/>
+          <a:stretch/>
+        </p:blipFill>
+        <p:spPr>
+          <a:xfrm>
+            <a:off x="175756" y="3804492"/>
+            <a:ext cx="2205318" cy="379921"/>
+          </a:xfrm>
+          <a:prstGeom prst="rect">
+            <a:avLst/>
+          </a:prstGeom>
+          <a:ln w="38100">
+            <a:solidFill>
+              <a:schemeClr val="accent1">
+                <a:lumMod val="75000"/>
+              </a:schemeClr>
+            </a:solidFill>
+          </a:ln>
+        </p:spPr>
+      </p:pic>
+      <p:pic>
+        <p:nvPicPr>
+          <p:cNvPr id="10" name="Picture 9">
+            <a:extLst>
+              <a:ext uri="{FF2B5EF4-FFF2-40B4-BE49-F238E27FC236}">
+                <a16:creationId xmlns:a16="http://schemas.microsoft.com/office/drawing/2014/main" id="{1C0A2E21-E2BF-40D0-8C55-AA9375816F77}"/>
+              </a:ext>
+            </a:extLst>
+          </p:cNvPr>
+          <p:cNvPicPr>
+            <a:picLocks noChangeAspect="1"/>
+          </p:cNvPicPr>
+          <p:nvPr/>
+        </p:nvPicPr>
+        <p:blipFill rotWithShape="1">
+          <a:blip r:embed="rId3"/>
+          <a:srcRect l="34998" t="47534" r="46573" b="46959"/>
+          <a:stretch/>
+        </p:blipFill>
+        <p:spPr>
+          <a:xfrm>
+            <a:off x="10050859" y="2777742"/>
+            <a:ext cx="2000923" cy="344245"/>
+          </a:xfrm>
+          <a:prstGeom prst="rect">
+            <a:avLst/>
+          </a:prstGeom>
+          <a:ln w="38100">
+            <a:solidFill>
+              <a:schemeClr val="accent1">
+                <a:lumMod val="75000"/>
+              </a:schemeClr>
+            </a:solidFill>
+          </a:ln>
+        </p:spPr>
+      </p:pic>
+      <p:pic>
+        <p:nvPicPr>
+          <p:cNvPr id="11" name="Picture 10">
+            <a:extLst>
+              <a:ext uri="{FF2B5EF4-FFF2-40B4-BE49-F238E27FC236}">
+                <a16:creationId xmlns:a16="http://schemas.microsoft.com/office/drawing/2014/main" id="{625BF5CA-73AD-4033-A3A5-610A301E4114}"/>
+              </a:ext>
+            </a:extLst>
+          </p:cNvPr>
+          <p:cNvPicPr>
+            <a:picLocks noChangeAspect="1"/>
+          </p:cNvPicPr>
+          <p:nvPr/>
+        </p:nvPicPr>
+        <p:blipFill rotWithShape="1">
+          <a:blip r:embed="rId3"/>
+          <a:srcRect l="34340" t="54404" r="36640" b="39519"/>
+          <a:stretch/>
+        </p:blipFill>
+        <p:spPr>
+          <a:xfrm>
+            <a:off x="6669402" y="2777743"/>
+            <a:ext cx="3150825" cy="379921"/>
+          </a:xfrm>
+          <a:prstGeom prst="rect">
+            <a:avLst/>
+          </a:prstGeom>
+          <a:ln w="38100">
+            <a:solidFill>
+              <a:schemeClr val="accent1">
+                <a:lumMod val="75000"/>
+              </a:schemeClr>
+            </a:solidFill>
+          </a:ln>
+        </p:spPr>
+      </p:pic>
+      <p:pic>
+        <p:nvPicPr>
+          <p:cNvPr id="12" name="Picture 11">
+            <a:extLst>
+              <a:ext uri="{FF2B5EF4-FFF2-40B4-BE49-F238E27FC236}">
+                <a16:creationId xmlns:a16="http://schemas.microsoft.com/office/drawing/2014/main" id="{67B9FA7F-5631-40C4-81E7-081ABE979433}"/>
+              </a:ext>
+            </a:extLst>
+          </p:cNvPr>
+          <p:cNvPicPr>
+            <a:picLocks noChangeAspect="1"/>
+          </p:cNvPicPr>
+          <p:nvPr/>
+        </p:nvPicPr>
+        <p:blipFill rotWithShape="1">
+          <a:blip r:embed="rId3"/>
+          <a:srcRect l="34899" t="63162" r="47663" b="30760"/>
+          <a:stretch/>
+        </p:blipFill>
+        <p:spPr>
+          <a:xfrm>
+            <a:off x="936917" y="1380017"/>
+            <a:ext cx="1893347" cy="379921"/>
+          </a:xfrm>
+          <a:prstGeom prst="rect">
+            <a:avLst/>
+          </a:prstGeom>
+          <a:ln w="38100">
+            <a:solidFill>
+              <a:schemeClr val="accent1">
+                <a:lumMod val="75000"/>
+              </a:schemeClr>
+            </a:solidFill>
+          </a:ln>
+        </p:spPr>
+      </p:pic>
+      <p:pic>
+        <p:nvPicPr>
+          <p:cNvPr id="13" name="Picture 12">
+            <a:extLst>
+              <a:ext uri="{FF2B5EF4-FFF2-40B4-BE49-F238E27FC236}">
+                <a16:creationId xmlns:a16="http://schemas.microsoft.com/office/drawing/2014/main" id="{DB9A3DA8-578E-4DE7-8B7C-118A94126C14}"/>
+              </a:ext>
+            </a:extLst>
+          </p:cNvPr>
+          <p:cNvPicPr>
+            <a:picLocks noChangeAspect="1"/>
+          </p:cNvPicPr>
+          <p:nvPr/>
+        </p:nvPicPr>
+        <p:blipFill rotWithShape="1">
+          <a:blip r:embed="rId3"/>
+          <a:srcRect l="35295" t="69030" r="40232" b="23914"/>
+          <a:stretch/>
+        </p:blipFill>
+        <p:spPr>
+          <a:xfrm>
+            <a:off x="9394642" y="6127360"/>
+            <a:ext cx="2657140" cy="441064"/>
+          </a:xfrm>
+          <a:prstGeom prst="rect">
+            <a:avLst/>
+          </a:prstGeom>
+          <a:ln w="76200">
+            <a:solidFill>
+              <a:schemeClr val="accent1">
+                <a:lumMod val="75000"/>
+              </a:schemeClr>
+            </a:solidFill>
+          </a:ln>
+        </p:spPr>
+      </p:pic>
+      <p:pic>
+        <p:nvPicPr>
+          <p:cNvPr id="14" name="Picture 13">
+            <a:extLst>
+              <a:ext uri="{FF2B5EF4-FFF2-40B4-BE49-F238E27FC236}">
+                <a16:creationId xmlns:a16="http://schemas.microsoft.com/office/drawing/2014/main" id="{AEA1C228-2214-4AFA-97EB-A440403DAF6A}"/>
+              </a:ext>
+            </a:extLst>
+          </p:cNvPr>
+          <p:cNvPicPr>
+            <a:picLocks noChangeAspect="1"/>
+          </p:cNvPicPr>
+          <p:nvPr/>
+        </p:nvPicPr>
+        <p:blipFill rotWithShape="1">
+          <a:blip r:embed="rId3"/>
+          <a:srcRect l="34340" t="76774" r="38985" b="17375"/>
+          <a:stretch/>
+        </p:blipFill>
+        <p:spPr>
+          <a:xfrm>
+            <a:off x="419150" y="4922262"/>
+            <a:ext cx="2896228" cy="365760"/>
+          </a:xfrm>
+          <a:prstGeom prst="rect">
+            <a:avLst/>
+          </a:prstGeom>
+          <a:ln w="38100">
+            <a:solidFill>
+              <a:schemeClr val="accent1">
+                <a:lumMod val="75000"/>
+              </a:schemeClr>
+            </a:solidFill>
+          </a:ln>
+        </p:spPr>
+      </p:pic>
+      <p:cxnSp>
+        <p:nvCxnSpPr>
+          <p:cNvPr id="20" name="Connector: Elbow 19">
+            <a:extLst>
+              <a:ext uri="{FF2B5EF4-FFF2-40B4-BE49-F238E27FC236}">
+                <a16:creationId xmlns:a16="http://schemas.microsoft.com/office/drawing/2014/main" id="{9E4A1C39-16F7-470D-920F-D436774E7D4E}"/>
+              </a:ext>
+            </a:extLst>
+          </p:cNvPr>
+          <p:cNvCxnSpPr>
+            <a:stCxn id="6" idx="2"/>
+            <a:endCxn id="9" idx="0"/>
+          </p:cNvCxnSpPr>
+          <p:nvPr/>
+        </p:nvCxnSpPr>
+        <p:spPr>
+          <a:xfrm rot="5400000">
+            <a:off x="2308600" y="-187000"/>
+            <a:ext cx="2961308" cy="5021677"/>
+          </a:xfrm>
+          <a:prstGeom prst="bentConnector3">
+            <a:avLst>
+              <a:gd name="adj1" fmla="val 50000"/>
+            </a:avLst>
+          </a:prstGeom>
+          <a:ln>
+            <a:tailEnd type="triangle"/>
+          </a:ln>
+        </p:spPr>
+        <p:style>
+          <a:lnRef idx="1">
+            <a:schemeClr val="accent1"/>
+          </a:lnRef>
+          <a:fillRef idx="0">
+            <a:schemeClr val="accent1"/>
+          </a:fillRef>
+          <a:effectRef idx="0">
+            <a:schemeClr val="accent1"/>
+          </a:effectRef>
+          <a:fontRef idx="minor">
+            <a:schemeClr val="tx1"/>
+          </a:fontRef>
+        </p:style>
+      </p:cxnSp>
+      <p:cxnSp>
+        <p:nvCxnSpPr>
+          <p:cNvPr id="22" name="Connector: Elbow 21">
+            <a:extLst>
+              <a:ext uri="{FF2B5EF4-FFF2-40B4-BE49-F238E27FC236}">
+                <a16:creationId xmlns:a16="http://schemas.microsoft.com/office/drawing/2014/main" id="{492AD21B-C296-4FFE-9E7D-66E05D1A0EB0}"/>
+              </a:ext>
+            </a:extLst>
+          </p:cNvPr>
+          <p:cNvCxnSpPr>
+            <a:stCxn id="6" idx="2"/>
+            <a:endCxn id="8" idx="0"/>
+          </p:cNvCxnSpPr>
+          <p:nvPr/>
+        </p:nvCxnSpPr>
+        <p:spPr>
+          <a:xfrm rot="16200000" flipH="1">
+            <a:off x="4812576" y="2330699"/>
+            <a:ext cx="2975033" cy="1"/>
+          </a:xfrm>
+          <a:prstGeom prst="bentConnector3">
+            <a:avLst>
+              <a:gd name="adj1" fmla="val 50000"/>
+            </a:avLst>
+          </a:prstGeom>
+          <a:ln>
+            <a:tailEnd type="triangle"/>
+          </a:ln>
+        </p:spPr>
+        <p:style>
+          <a:lnRef idx="1">
+            <a:schemeClr val="accent1"/>
+          </a:lnRef>
+          <a:fillRef idx="0">
+            <a:schemeClr val="accent1"/>
+          </a:fillRef>
+          <a:effectRef idx="0">
+            <a:schemeClr val="accent1"/>
+          </a:effectRef>
+          <a:fontRef idx="minor">
+            <a:schemeClr val="tx1"/>
+          </a:fontRef>
+        </p:style>
+      </p:cxnSp>
+      <p:cxnSp>
+        <p:nvCxnSpPr>
+          <p:cNvPr id="28" name="Connector: Elbow 27">
+            <a:extLst>
+              <a:ext uri="{FF2B5EF4-FFF2-40B4-BE49-F238E27FC236}">
+                <a16:creationId xmlns:a16="http://schemas.microsoft.com/office/drawing/2014/main" id="{0E19088B-24BE-4CBF-A218-A9C740F8EA87}"/>
+              </a:ext>
+            </a:extLst>
+          </p:cNvPr>
+          <p:cNvCxnSpPr>
+            <a:stCxn id="7" idx="2"/>
+            <a:endCxn id="14" idx="0"/>
+          </p:cNvCxnSpPr>
+          <p:nvPr/>
+        </p:nvCxnSpPr>
+        <p:spPr>
+          <a:xfrm rot="5400000">
+            <a:off x="2384364" y="3645362"/>
+            <a:ext cx="759800" cy="1794000"/>
+          </a:xfrm>
+          <a:prstGeom prst="bentConnector3">
+            <a:avLst/>
+          </a:prstGeom>
+          <a:ln>
+            <a:tailEnd type="triangle"/>
+          </a:ln>
+        </p:spPr>
+        <p:style>
+          <a:lnRef idx="1">
+            <a:schemeClr val="accent1"/>
+          </a:lnRef>
+          <a:fillRef idx="0">
+            <a:schemeClr val="accent1"/>
+          </a:fillRef>
+          <a:effectRef idx="0">
+            <a:schemeClr val="accent1"/>
+          </a:effectRef>
+          <a:fontRef idx="minor">
+            <a:schemeClr val="tx1"/>
+          </a:fontRef>
+        </p:style>
+      </p:cxnSp>
+      <p:cxnSp>
+        <p:nvCxnSpPr>
+          <p:cNvPr id="30" name="Connector: Elbow 29">
+            <a:extLst>
+              <a:ext uri="{FF2B5EF4-FFF2-40B4-BE49-F238E27FC236}">
+                <a16:creationId xmlns:a16="http://schemas.microsoft.com/office/drawing/2014/main" id="{932D8CB0-F87A-48DA-8DA9-5C48A3ED30AC}"/>
+              </a:ext>
+            </a:extLst>
+          </p:cNvPr>
+          <p:cNvCxnSpPr>
+            <a:stCxn id="7" idx="2"/>
+            <a:endCxn id="5" idx="0"/>
+          </p:cNvCxnSpPr>
+          <p:nvPr/>
+        </p:nvCxnSpPr>
+        <p:spPr>
+          <a:xfrm rot="16200000" flipH="1">
+            <a:off x="4009621" y="3814104"/>
+            <a:ext cx="759801" cy="1456515"/>
+          </a:xfrm>
+          <a:prstGeom prst="bentConnector3">
+            <a:avLst/>
+          </a:prstGeom>
+          <a:ln>
+            <a:tailEnd type="triangle"/>
+          </a:ln>
+        </p:spPr>
+        <p:style>
+          <a:lnRef idx="1">
+            <a:schemeClr val="accent1"/>
+          </a:lnRef>
+          <a:fillRef idx="0">
+            <a:schemeClr val="accent1"/>
+          </a:fillRef>
+          <a:effectRef idx="0">
+            <a:schemeClr val="accent1"/>
+          </a:effectRef>
+          <a:fontRef idx="minor">
+            <a:schemeClr val="tx1"/>
+          </a:fontRef>
+        </p:style>
+      </p:cxnSp>
+      <p:pic>
+        <p:nvPicPr>
+          <p:cNvPr id="142" name="Picture 141">
+            <a:extLst>
+              <a:ext uri="{FF2B5EF4-FFF2-40B4-BE49-F238E27FC236}">
+                <a16:creationId xmlns:a16="http://schemas.microsoft.com/office/drawing/2014/main" id="{14D3B866-FB8C-4FFE-BF76-BE02069E6A3B}"/>
+              </a:ext>
+            </a:extLst>
+          </p:cNvPr>
+          <p:cNvPicPr>
+            <a:picLocks noChangeAspect="1"/>
+          </p:cNvPicPr>
+          <p:nvPr/>
+        </p:nvPicPr>
+        <p:blipFill rotWithShape="1">
+          <a:blip r:embed="rId3"/>
+          <a:srcRect l="1155" t="10954" r="68302" b="81335"/>
+          <a:stretch/>
+        </p:blipFill>
+        <p:spPr>
+          <a:xfrm>
+            <a:off x="5854552" y="6127360"/>
+            <a:ext cx="3316201" cy="482033"/>
+          </a:xfrm>
+          <a:prstGeom prst="rect">
+            <a:avLst/>
+          </a:prstGeom>
+          <a:ln w="76200">
+            <a:solidFill>
+              <a:schemeClr val="accent1">
+                <a:lumMod val="75000"/>
+              </a:schemeClr>
+            </a:solidFill>
+          </a:ln>
+        </p:spPr>
+      </p:pic>
+      <p:cxnSp>
+        <p:nvCxnSpPr>
+          <p:cNvPr id="145" name="Straight Arrow Connector 144">
+            <a:extLst>
+              <a:ext uri="{FF2B5EF4-FFF2-40B4-BE49-F238E27FC236}">
+                <a16:creationId xmlns:a16="http://schemas.microsoft.com/office/drawing/2014/main" id="{924B24DD-9D43-4A43-8D4F-0B2CFD31F5EF}"/>
+              </a:ext>
+            </a:extLst>
+          </p:cNvPr>
+          <p:cNvCxnSpPr/>
+          <p:nvPr/>
+        </p:nvCxnSpPr>
+        <p:spPr>
+          <a:xfrm>
+            <a:off x="8012921" y="5103645"/>
+            <a:ext cx="0" cy="911169"/>
+          </a:xfrm>
+          <a:prstGeom prst="straightConnector1">
+            <a:avLst/>
+          </a:prstGeom>
+          <a:ln w="38100">
+            <a:tailEnd type="triangle"/>
+          </a:ln>
+        </p:spPr>
+        <p:style>
+          <a:lnRef idx="1">
+            <a:schemeClr val="accent1"/>
+          </a:lnRef>
+          <a:fillRef idx="0">
+            <a:schemeClr val="accent1"/>
+          </a:fillRef>
+          <a:effectRef idx="0">
+            <a:schemeClr val="accent1"/>
+          </a:effectRef>
+          <a:fontRef idx="minor">
+            <a:schemeClr val="tx1"/>
+          </a:fontRef>
+        </p:style>
+      </p:cxnSp>
+      <p:cxnSp>
+        <p:nvCxnSpPr>
+          <p:cNvPr id="146" name="Straight Arrow Connector 145">
+            <a:extLst>
+              <a:ext uri="{FF2B5EF4-FFF2-40B4-BE49-F238E27FC236}">
+                <a16:creationId xmlns:a16="http://schemas.microsoft.com/office/drawing/2014/main" id="{81A3C514-E599-4393-A179-24170BAA1DCF}"/>
+              </a:ext>
+            </a:extLst>
+          </p:cNvPr>
+          <p:cNvCxnSpPr/>
+          <p:nvPr/>
+        </p:nvCxnSpPr>
+        <p:spPr>
+          <a:xfrm>
+            <a:off x="8674485" y="5103644"/>
+            <a:ext cx="0" cy="911169"/>
+          </a:xfrm>
+          <a:prstGeom prst="straightConnector1">
+            <a:avLst/>
+          </a:prstGeom>
+          <a:ln w="38100">
+            <a:tailEnd type="triangle"/>
+          </a:ln>
+        </p:spPr>
+        <p:style>
+          <a:lnRef idx="1">
+            <a:schemeClr val="accent1"/>
+          </a:lnRef>
+          <a:fillRef idx="0">
+            <a:schemeClr val="accent1"/>
+          </a:fillRef>
+          <a:effectRef idx="0">
+            <a:schemeClr val="accent1"/>
+          </a:effectRef>
+          <a:fontRef idx="minor">
+            <a:schemeClr val="tx1"/>
+          </a:fontRef>
+        </p:style>
+      </p:cxnSp>
+      <p:cxnSp>
+        <p:nvCxnSpPr>
+          <p:cNvPr id="147" name="Straight Arrow Connector 146">
+            <a:extLst>
+              <a:ext uri="{FF2B5EF4-FFF2-40B4-BE49-F238E27FC236}">
+                <a16:creationId xmlns:a16="http://schemas.microsoft.com/office/drawing/2014/main" id="{DFE0C9A4-908D-4515-A9CC-65C7AE792A64}"/>
+              </a:ext>
+            </a:extLst>
+          </p:cNvPr>
+          <p:cNvCxnSpPr/>
+          <p:nvPr/>
+        </p:nvCxnSpPr>
+        <p:spPr>
+          <a:xfrm>
+            <a:off x="7363936" y="5103643"/>
+            <a:ext cx="0" cy="911169"/>
+          </a:xfrm>
+          <a:prstGeom prst="straightConnector1">
+            <a:avLst/>
+          </a:prstGeom>
+          <a:ln w="38100">
+            <a:tailEnd type="triangle"/>
+          </a:ln>
+        </p:spPr>
+        <p:style>
+          <a:lnRef idx="1">
+            <a:schemeClr val="accent1"/>
+          </a:lnRef>
+          <a:fillRef idx="0">
+            <a:schemeClr val="accent1"/>
+          </a:fillRef>
+          <a:effectRef idx="0">
+            <a:schemeClr val="accent1"/>
+          </a:effectRef>
+          <a:fontRef idx="minor">
+            <a:schemeClr val="tx1"/>
+          </a:fontRef>
+        </p:style>
+      </p:cxnSp>
+      <p:cxnSp>
+        <p:nvCxnSpPr>
+          <p:cNvPr id="151" name="Straight Arrow Connector 150">
+            <a:extLst>
+              <a:ext uri="{FF2B5EF4-FFF2-40B4-BE49-F238E27FC236}">
+                <a16:creationId xmlns:a16="http://schemas.microsoft.com/office/drawing/2014/main" id="{6C83AFF9-A2B9-4FDD-94CA-DAC7EA0BA39C}"/>
+              </a:ext>
+            </a:extLst>
+          </p:cNvPr>
+          <p:cNvCxnSpPr/>
+          <p:nvPr/>
+        </p:nvCxnSpPr>
+        <p:spPr>
+          <a:xfrm>
+            <a:off x="10682490" y="5103647"/>
+            <a:ext cx="0" cy="911169"/>
+          </a:xfrm>
+          <a:prstGeom prst="straightConnector1">
+            <a:avLst/>
+          </a:prstGeom>
+          <a:ln w="38100">
+            <a:tailEnd type="triangle"/>
+          </a:ln>
+        </p:spPr>
+        <p:style>
+          <a:lnRef idx="1">
+            <a:schemeClr val="accent1"/>
+          </a:lnRef>
+          <a:fillRef idx="0">
+            <a:schemeClr val="accent1"/>
+          </a:fillRef>
+          <a:effectRef idx="0">
+            <a:schemeClr val="accent1"/>
+          </a:effectRef>
+          <a:fontRef idx="minor">
+            <a:schemeClr val="tx1"/>
+          </a:fontRef>
+        </p:style>
+      </p:cxnSp>
+      <p:cxnSp>
+        <p:nvCxnSpPr>
+          <p:cNvPr id="152" name="Straight Arrow Connector 151">
+            <a:extLst>
+              <a:ext uri="{FF2B5EF4-FFF2-40B4-BE49-F238E27FC236}">
+                <a16:creationId xmlns:a16="http://schemas.microsoft.com/office/drawing/2014/main" id="{663451DE-A7AF-4A16-BFD5-D4330C4BAB2A}"/>
+              </a:ext>
+            </a:extLst>
+          </p:cNvPr>
+          <p:cNvCxnSpPr/>
+          <p:nvPr/>
+        </p:nvCxnSpPr>
+        <p:spPr>
+          <a:xfrm>
+            <a:off x="11344054" y="5103646"/>
+            <a:ext cx="0" cy="911169"/>
+          </a:xfrm>
+          <a:prstGeom prst="straightConnector1">
+            <a:avLst/>
+          </a:prstGeom>
+          <a:ln w="38100">
+            <a:tailEnd type="triangle"/>
+          </a:ln>
+        </p:spPr>
+        <p:style>
+          <a:lnRef idx="1">
+            <a:schemeClr val="accent1"/>
+          </a:lnRef>
+          <a:fillRef idx="0">
+            <a:schemeClr val="accent1"/>
+          </a:fillRef>
+          <a:effectRef idx="0">
+            <a:schemeClr val="accent1"/>
+          </a:effectRef>
+          <a:fontRef idx="minor">
+            <a:schemeClr val="tx1"/>
+          </a:fontRef>
+        </p:style>
+      </p:cxnSp>
+      <p:cxnSp>
+        <p:nvCxnSpPr>
+          <p:cNvPr id="153" name="Straight Arrow Connector 152">
+            <a:extLst>
+              <a:ext uri="{FF2B5EF4-FFF2-40B4-BE49-F238E27FC236}">
+                <a16:creationId xmlns:a16="http://schemas.microsoft.com/office/drawing/2014/main" id="{9CB7F907-F2AE-4AB9-B1E9-AFAB242C916A}"/>
+              </a:ext>
+            </a:extLst>
+          </p:cNvPr>
+          <p:cNvCxnSpPr/>
+          <p:nvPr/>
+        </p:nvCxnSpPr>
+        <p:spPr>
+          <a:xfrm>
+            <a:off x="10033505" y="5103645"/>
+            <a:ext cx="0" cy="911169"/>
+          </a:xfrm>
+          <a:prstGeom prst="straightConnector1">
+            <a:avLst/>
+          </a:prstGeom>
+          <a:ln w="38100">
+            <a:tailEnd type="triangle"/>
+          </a:ln>
+        </p:spPr>
+        <p:style>
+          <a:lnRef idx="1">
+            <a:schemeClr val="accent1"/>
+          </a:lnRef>
+          <a:fillRef idx="0">
+            <a:schemeClr val="accent1"/>
+          </a:fillRef>
+          <a:effectRef idx="0">
+            <a:schemeClr val="accent1"/>
+          </a:effectRef>
+          <a:fontRef idx="minor">
+            <a:schemeClr val="tx1"/>
+          </a:fontRef>
+        </p:style>
+      </p:cxnSp>
+      <p:cxnSp>
+        <p:nvCxnSpPr>
+          <p:cNvPr id="173" name="Connector: Elbow 172">
+            <a:extLst>
+              <a:ext uri="{FF2B5EF4-FFF2-40B4-BE49-F238E27FC236}">
+                <a16:creationId xmlns:a16="http://schemas.microsoft.com/office/drawing/2014/main" id="{84B3F3D2-E870-44F0-841E-356DDDFE7F0E}"/>
+              </a:ext>
+            </a:extLst>
+          </p:cNvPr>
+          <p:cNvCxnSpPr>
+            <a:stCxn id="6" idx="2"/>
+            <a:endCxn id="7" idx="0"/>
+          </p:cNvCxnSpPr>
+          <p:nvPr/>
+        </p:nvCxnSpPr>
+        <p:spPr>
+          <a:xfrm rot="5400000">
+            <a:off x="3493162" y="1011286"/>
+            <a:ext cx="2975033" cy="2638828"/>
+          </a:xfrm>
+          <a:prstGeom prst="bentConnector3">
+            <a:avLst/>
+          </a:prstGeom>
+          <a:ln>
+            <a:tailEnd type="triangle"/>
+          </a:ln>
+        </p:spPr>
+        <p:style>
+          <a:lnRef idx="1">
+            <a:schemeClr val="accent1"/>
+          </a:lnRef>
+          <a:fillRef idx="0">
+            <a:schemeClr val="accent1"/>
+          </a:fillRef>
+          <a:effectRef idx="0">
+            <a:schemeClr val="accent1"/>
+          </a:effectRef>
+          <a:fontRef idx="minor">
+            <a:schemeClr val="tx1"/>
+          </a:fontRef>
+        </p:style>
+      </p:cxnSp>
+      <p:cxnSp>
+        <p:nvCxnSpPr>
+          <p:cNvPr id="190" name="Connector: Elbow 189">
+            <a:extLst>
+              <a:ext uri="{FF2B5EF4-FFF2-40B4-BE49-F238E27FC236}">
+                <a16:creationId xmlns:a16="http://schemas.microsoft.com/office/drawing/2014/main" id="{BC5DBD19-3D6E-4ADD-8F0A-F9142F131386}"/>
+              </a:ext>
+            </a:extLst>
+          </p:cNvPr>
+          <p:cNvCxnSpPr>
+            <a:stCxn id="6" idx="2"/>
+            <a:endCxn id="11" idx="0"/>
+          </p:cNvCxnSpPr>
+          <p:nvPr/>
+        </p:nvCxnSpPr>
+        <p:spPr>
+          <a:xfrm rot="16200000" flipH="1">
+            <a:off x="6305174" y="838101"/>
+            <a:ext cx="1934559" cy="1944723"/>
+          </a:xfrm>
+          <a:prstGeom prst="bentConnector3">
+            <a:avLst>
+              <a:gd name="adj1" fmla="val 76554"/>
+            </a:avLst>
+          </a:prstGeom>
+          <a:ln>
+            <a:tailEnd type="triangle"/>
+          </a:ln>
+        </p:spPr>
+        <p:style>
+          <a:lnRef idx="1">
+            <a:schemeClr val="accent1"/>
+          </a:lnRef>
+          <a:fillRef idx="0">
+            <a:schemeClr val="accent1"/>
+          </a:fillRef>
+          <a:effectRef idx="0">
+            <a:schemeClr val="accent1"/>
+          </a:effectRef>
+          <a:fontRef idx="minor">
+            <a:schemeClr val="tx1"/>
+          </a:fontRef>
+        </p:style>
+      </p:cxnSp>
+      <p:cxnSp>
+        <p:nvCxnSpPr>
+          <p:cNvPr id="193" name="Connector: Elbow 192">
+            <a:extLst>
+              <a:ext uri="{FF2B5EF4-FFF2-40B4-BE49-F238E27FC236}">
+                <a16:creationId xmlns:a16="http://schemas.microsoft.com/office/drawing/2014/main" id="{8D68E369-2EB5-4800-8FD2-90A7A82129D7}"/>
+              </a:ext>
+            </a:extLst>
+          </p:cNvPr>
+          <p:cNvCxnSpPr>
+            <a:stCxn id="6" idx="2"/>
+            <a:endCxn id="10" idx="0"/>
+          </p:cNvCxnSpPr>
+          <p:nvPr/>
+        </p:nvCxnSpPr>
+        <p:spPr>
+          <a:xfrm rot="16200000" flipH="1">
+            <a:off x="7708427" y="-565152"/>
+            <a:ext cx="1934558" cy="4751229"/>
+          </a:xfrm>
+          <a:prstGeom prst="bentConnector3">
+            <a:avLst>
+              <a:gd name="adj1" fmla="val 76554"/>
+            </a:avLst>
+          </a:prstGeom>
+          <a:ln>
+            <a:tailEnd type="triangle"/>
+          </a:ln>
+        </p:spPr>
+        <p:style>
+          <a:lnRef idx="1">
+            <a:schemeClr val="accent1"/>
+          </a:lnRef>
+          <a:fillRef idx="0">
+            <a:schemeClr val="accent1"/>
+          </a:fillRef>
+          <a:effectRef idx="0">
+            <a:schemeClr val="accent1"/>
+          </a:effectRef>
+          <a:fontRef idx="minor">
+            <a:schemeClr val="tx1"/>
+          </a:fontRef>
+        </p:style>
+      </p:cxnSp>
+      <p:cxnSp>
+        <p:nvCxnSpPr>
+          <p:cNvPr id="198" name="Connector: Elbow 197">
+            <a:extLst>
+              <a:ext uri="{FF2B5EF4-FFF2-40B4-BE49-F238E27FC236}">
+                <a16:creationId xmlns:a16="http://schemas.microsoft.com/office/drawing/2014/main" id="{8285C67B-2154-4A12-A5DB-FF0FF3052BA9}"/>
+              </a:ext>
+            </a:extLst>
+          </p:cNvPr>
+          <p:cNvCxnSpPr>
+            <a:stCxn id="6" idx="2"/>
+            <a:endCxn id="12" idx="3"/>
+          </p:cNvCxnSpPr>
+          <p:nvPr/>
+        </p:nvCxnSpPr>
+        <p:spPr>
+          <a:xfrm rot="5400000">
+            <a:off x="4201781" y="-528333"/>
+            <a:ext cx="726794" cy="3469828"/>
+          </a:xfrm>
+          <a:prstGeom prst="bentConnector2">
+            <a:avLst/>
+          </a:prstGeom>
+          <a:ln>
+            <a:tailEnd type="triangle"/>
+          </a:ln>
+        </p:spPr>
+        <p:style>
+          <a:lnRef idx="1">
+            <a:schemeClr val="accent1"/>
+          </a:lnRef>
+          <a:fillRef idx="0">
+            <a:schemeClr val="accent1"/>
+          </a:fillRef>
+          <a:effectRef idx="0">
+            <a:schemeClr val="accent1"/>
+          </a:effectRef>
+          <a:fontRef idx="minor">
+            <a:schemeClr val="tx1"/>
+          </a:fontRef>
+        </p:style>
+      </p:cxnSp>
     </p:spTree>
     <p:extLst>
       <p:ext uri="{BB962C8B-B14F-4D97-AF65-F5344CB8AC3E}">
-        <p14:creationId xmlns:p14="http://schemas.microsoft.com/office/powerpoint/2010/main" val="3673581030"/>
+        <p14:creationId xmlns:p14="http://schemas.microsoft.com/office/powerpoint/2010/main" val="3675916087"/>
       </p:ext>
     </p:extLst>
   </p:cSld>
@@ -10068,37 +12212,12 @@
           <a:chExt cx="0" cy="0"/>
         </a:xfrm>
       </p:grpSpPr>
-      <p:sp>
-        <p:nvSpPr>
-          <p:cNvPr id="3" name="Title 2">
-            <a:extLst>
-              <a:ext uri="{FF2B5EF4-FFF2-40B4-BE49-F238E27FC236}">
-                <a16:creationId xmlns:a16="http://schemas.microsoft.com/office/drawing/2014/main" id="{AFA2FF2A-2007-4B59-83CD-73D93638F9F4}"/>
-              </a:ext>
-            </a:extLst>
-          </p:cNvPr>
-          <p:cNvSpPr>
-            <a:spLocks noGrp="1"/>
-          </p:cNvSpPr>
-          <p:nvPr>
-            <p:ph type="title"/>
-          </p:nvPr>
-        </p:nvSpPr>
-        <p:spPr/>
-        <p:txBody>
-          <a:bodyPr/>
-          <a:lstStyle/>
-          <a:p>
-            <a:endParaRPr lang="en-CA"/>
-          </a:p>
-        </p:txBody>
-      </p:sp>
       <p:pic>
         <p:nvPicPr>
           <p:cNvPr id="4" name="Picture 3">
             <a:extLst>
               <a:ext uri="{FF2B5EF4-FFF2-40B4-BE49-F238E27FC236}">
-                <a16:creationId xmlns:a16="http://schemas.microsoft.com/office/drawing/2014/main" id="{0A009E3D-3293-4E20-BF15-1B06A3C2C44D}"/>
+                <a16:creationId xmlns:a16="http://schemas.microsoft.com/office/drawing/2014/main" id="{D72DCA18-2FA8-4FE4-98C9-F2E96DAAD1E7}"/>
               </a:ext>
             </a:extLst>
           </p:cNvPr>
@@ -10108,25 +12227,224 @@
           <p:nvPr/>
         </p:nvPicPr>
         <p:blipFill>
-          <a:blip r:embed="rId2"/>
+          <a:blip r:embed="rId3"/>
           <a:stretch>
             <a:fillRect/>
           </a:stretch>
         </p:blipFill>
         <p:spPr>
           <a:xfrm>
-            <a:off x="0" y="2187872"/>
-            <a:ext cx="12192000" cy="2482256"/>
+            <a:off x="932330" y="173976"/>
+            <a:ext cx="10728960" cy="2365248"/>
           </a:xfrm>
           <a:prstGeom prst="rect">
             <a:avLst/>
           </a:prstGeom>
+          <a:ln w="57150">
+            <a:solidFill>
+              <a:schemeClr val="accent1">
+                <a:lumMod val="60000"/>
+                <a:lumOff val="40000"/>
+              </a:schemeClr>
+            </a:solidFill>
+          </a:ln>
         </p:spPr>
       </p:pic>
+      <p:pic>
+        <p:nvPicPr>
+          <p:cNvPr id="2" name="Picture 1">
+            <a:extLst>
+              <a:ext uri="{FF2B5EF4-FFF2-40B4-BE49-F238E27FC236}">
+                <a16:creationId xmlns:a16="http://schemas.microsoft.com/office/drawing/2014/main" id="{0D6AE782-0AEE-4154-9BEC-329A1AB361A9}"/>
+              </a:ext>
+            </a:extLst>
+          </p:cNvPr>
+          <p:cNvPicPr>
+            <a:picLocks noChangeAspect="1"/>
+          </p:cNvPicPr>
+          <p:nvPr/>
+        </p:nvPicPr>
+        <p:blipFill rotWithShape="1">
+          <a:blip r:embed="rId4"/>
+          <a:srcRect r="35707" b="40549"/>
+          <a:stretch/>
+        </p:blipFill>
+        <p:spPr>
+          <a:xfrm>
+            <a:off x="174263" y="2687782"/>
+            <a:ext cx="5484260" cy="4077148"/>
+          </a:xfrm>
+          <a:prstGeom prst="rect">
+            <a:avLst/>
+          </a:prstGeom>
+        </p:spPr>
+      </p:pic>
+      <p:pic>
+        <p:nvPicPr>
+          <p:cNvPr id="5" name="Picture 4">
+            <a:extLst>
+              <a:ext uri="{FF2B5EF4-FFF2-40B4-BE49-F238E27FC236}">
+                <a16:creationId xmlns:a16="http://schemas.microsoft.com/office/drawing/2014/main" id="{4544B227-A580-442F-BB63-C322A761D453}"/>
+              </a:ext>
+            </a:extLst>
+          </p:cNvPr>
+          <p:cNvPicPr>
+            <a:picLocks noChangeAspect="1"/>
+          </p:cNvPicPr>
+          <p:nvPr/>
+        </p:nvPicPr>
+        <p:blipFill rotWithShape="1">
+          <a:blip r:embed="rId4"/>
+          <a:srcRect l="-126" t="59451" r="54599" b="1357"/>
+          <a:stretch/>
+        </p:blipFill>
+        <p:spPr>
+          <a:xfrm>
+            <a:off x="5658523" y="3487437"/>
+            <a:ext cx="3883510" cy="2687783"/>
+          </a:xfrm>
+          <a:prstGeom prst="rect">
+            <a:avLst/>
+          </a:prstGeom>
+        </p:spPr>
+      </p:pic>
+      <p:pic>
+        <p:nvPicPr>
+          <p:cNvPr id="6" name="Picture 5">
+            <a:extLst>
+              <a:ext uri="{FF2B5EF4-FFF2-40B4-BE49-F238E27FC236}">
+                <a16:creationId xmlns:a16="http://schemas.microsoft.com/office/drawing/2014/main" id="{3282846E-6AFE-48A3-A0AC-1BE15BDF1CF7}"/>
+              </a:ext>
+            </a:extLst>
+          </p:cNvPr>
+          <p:cNvPicPr>
+            <a:picLocks noChangeAspect="1"/>
+          </p:cNvPicPr>
+          <p:nvPr/>
+        </p:nvPicPr>
+        <p:blipFill rotWithShape="1">
+          <a:blip r:embed="rId4"/>
+          <a:srcRect r="58555" b="88395"/>
+          <a:stretch/>
+        </p:blipFill>
+        <p:spPr>
+          <a:xfrm>
+            <a:off x="5690793" y="2687782"/>
+            <a:ext cx="3535332" cy="795906"/>
+          </a:xfrm>
+          <a:prstGeom prst="rect">
+            <a:avLst/>
+          </a:prstGeom>
+        </p:spPr>
+      </p:pic>
+      <p:pic>
+        <p:nvPicPr>
+          <p:cNvPr id="7" name="Picture 6">
+            <a:extLst>
+              <a:ext uri="{FF2B5EF4-FFF2-40B4-BE49-F238E27FC236}">
+                <a16:creationId xmlns:a16="http://schemas.microsoft.com/office/drawing/2014/main" id="{0FCEAB0E-94F0-4E33-BC5E-1C62403CCC09}"/>
+              </a:ext>
+            </a:extLst>
+          </p:cNvPr>
+          <p:cNvPicPr>
+            <a:picLocks noChangeAspect="1"/>
+          </p:cNvPicPr>
+          <p:nvPr/>
+        </p:nvPicPr>
+        <p:blipFill rotWithShape="1">
+          <a:blip r:embed="rId4"/>
+          <a:srcRect l="65013" t="57780" r="1819" b="1748"/>
+          <a:stretch/>
+        </p:blipFill>
+        <p:spPr>
+          <a:xfrm>
+            <a:off x="9348395" y="3399585"/>
+            <a:ext cx="2829261" cy="2775635"/>
+          </a:xfrm>
+          <a:prstGeom prst="rect">
+            <a:avLst/>
+          </a:prstGeom>
+        </p:spPr>
+      </p:pic>
+      <p:pic>
+        <p:nvPicPr>
+          <p:cNvPr id="8" name="Picture 7">
+            <a:extLst>
+              <a:ext uri="{FF2B5EF4-FFF2-40B4-BE49-F238E27FC236}">
+                <a16:creationId xmlns:a16="http://schemas.microsoft.com/office/drawing/2014/main" id="{701CEF23-7021-435A-A4A6-801B90FBB9AC}"/>
+              </a:ext>
+            </a:extLst>
+          </p:cNvPr>
+          <p:cNvPicPr>
+            <a:picLocks noChangeAspect="1"/>
+          </p:cNvPicPr>
+          <p:nvPr/>
+        </p:nvPicPr>
+        <p:blipFill rotWithShape="1">
+          <a:blip r:embed="rId4"/>
+          <a:srcRect l="65154" t="6612" r="5336" b="87271"/>
+          <a:stretch/>
+        </p:blipFill>
+        <p:spPr>
+          <a:xfrm>
+            <a:off x="9348395" y="3128934"/>
+            <a:ext cx="2517289" cy="419549"/>
+          </a:xfrm>
+          <a:prstGeom prst="rect">
+            <a:avLst/>
+          </a:prstGeom>
+        </p:spPr>
+      </p:pic>
+      <p:sp>
+        <p:nvSpPr>
+          <p:cNvPr id="9" name="Rectangle 8">
+            <a:extLst>
+              <a:ext uri="{FF2B5EF4-FFF2-40B4-BE49-F238E27FC236}">
+                <a16:creationId xmlns:a16="http://schemas.microsoft.com/office/drawing/2014/main" id="{713A4FF2-9408-4ABC-A7F2-8BEDC8334B7A}"/>
+              </a:ext>
+            </a:extLst>
+          </p:cNvPr>
+          <p:cNvSpPr/>
+          <p:nvPr/>
+        </p:nvSpPr>
+        <p:spPr>
+          <a:xfrm>
+            <a:off x="5568523" y="2687782"/>
+            <a:ext cx="90000" cy="4077148"/>
+          </a:xfrm>
+          <a:prstGeom prst="rect">
+            <a:avLst/>
+          </a:prstGeom>
+        </p:spPr>
+        <p:style>
+          <a:lnRef idx="2">
+            <a:schemeClr val="accent1">
+              <a:shade val="50000"/>
+            </a:schemeClr>
+          </a:lnRef>
+          <a:fillRef idx="1">
+            <a:schemeClr val="accent1"/>
+          </a:fillRef>
+          <a:effectRef idx="0">
+            <a:schemeClr val="accent1"/>
+          </a:effectRef>
+          <a:fontRef idx="minor">
+            <a:schemeClr val="lt1"/>
+          </a:fontRef>
+        </p:style>
+        <p:txBody>
+          <a:bodyPr rtlCol="0" anchor="ctr"/>
+          <a:lstStyle/>
+          <a:p>
+            <a:pPr algn="ctr"/>
+            <a:endParaRPr lang="en-CA"/>
+          </a:p>
+        </p:txBody>
+      </p:sp>
     </p:spTree>
     <p:extLst>
       <p:ext uri="{BB962C8B-B14F-4D97-AF65-F5344CB8AC3E}">
-        <p14:creationId xmlns:p14="http://schemas.microsoft.com/office/powerpoint/2010/main" val="3448348594"/>
+        <p14:creationId xmlns:p14="http://schemas.microsoft.com/office/powerpoint/2010/main" val="3673581030"/>
       </p:ext>
     </p:extLst>
   </p:cSld>
@@ -11022,11 +13340,12 @@
 </file>
 
 <file path=customXml/item1.xml><?xml version="1.0" encoding="utf-8"?>
-<p:properties xmlns:p="http://schemas.microsoft.com/office/2006/metadata/properties" xmlns:xsi="http://www.w3.org/2001/XMLSchema-instance" xmlns:pc="http://schemas.microsoft.com/office/infopath/2007/PartnerControls">
-  <documentManagement>
-    <MediaServiceKeyPoints xmlns="71af3243-3dd4-4a8d-8c0d-dd76da1f02a5" xsi:nil="true"/>
-  </documentManagement>
-</p:properties>
+<?mso-contentType ?>
+<FormTemplates xmlns="http://schemas.microsoft.com/sharepoint/v3/contenttype/forms">
+  <Display>DocumentLibraryForm</Display>
+  <Edit>DocumentLibraryForm</Edit>
+  <New>DocumentLibraryForm</New>
+</FormTemplates>
 </file>
 
 <file path=customXml/item2.xml><?xml version="1.0" encoding="utf-8"?>
@@ -11241,27 +13560,17 @@
 </file>
 
 <file path=customXml/item3.xml><?xml version="1.0" encoding="utf-8"?>
-<?mso-contentType ?>
-<FormTemplates xmlns="http://schemas.microsoft.com/sharepoint/v3/contenttype/forms">
-  <Display>DocumentLibraryForm</Display>
-  <Edit>DocumentLibraryForm</Edit>
-  <New>DocumentLibraryForm</New>
-</FormTemplates>
+<p:properties xmlns:p="http://schemas.microsoft.com/office/2006/metadata/properties" xmlns:xsi="http://www.w3.org/2001/XMLSchema-instance" xmlns:pc="http://schemas.microsoft.com/office/infopath/2007/PartnerControls">
+  <documentManagement>
+    <MediaServiceKeyPoints xmlns="71af3243-3dd4-4a8d-8c0d-dd76da1f02a5" xsi:nil="true"/>
+  </documentManagement>
+</p:properties>
 </file>
 
 <file path=customXml/itemProps1.xml><?xml version="1.0" encoding="utf-8"?>
-<ds:datastoreItem xmlns:ds="http://schemas.openxmlformats.org/officeDocument/2006/customXml" ds:itemID="{271DA07E-9A1F-402C-A357-ABD24F8C703B}">
+<ds:datastoreItem xmlns:ds="http://schemas.openxmlformats.org/officeDocument/2006/customXml" ds:itemID="{6D0B596E-8E5F-4DB7-9C0B-A416410C0FAB}">
   <ds:schemaRefs>
-    <ds:schemaRef ds:uri="http://purl.org/dc/terms/"/>
-    <ds:schemaRef ds:uri="http://schemas.microsoft.com/office/2006/metadata/properties"/>
-    <ds:schemaRef ds:uri="http://www.w3.org/XML/1998/namespace"/>
-    <ds:schemaRef ds:uri="http://schemas.microsoft.com/office/2006/documentManagement/types"/>
-    <ds:schemaRef ds:uri="http://schemas.microsoft.com/office/infopath/2007/PartnerControls"/>
-    <ds:schemaRef ds:uri="http://schemas.openxmlformats.org/package/2006/metadata/core-properties"/>
-    <ds:schemaRef ds:uri="http://purl.org/dc/elements/1.1/"/>
-    <ds:schemaRef ds:uri="16c05727-aa75-4e4a-9b5f-8a80a1165891"/>
-    <ds:schemaRef ds:uri="71af3243-3dd4-4a8d-8c0d-dd76da1f02a5"/>
-    <ds:schemaRef ds:uri="http://purl.org/dc/dcmitype/"/>
+    <ds:schemaRef ds:uri="http://schemas.microsoft.com/sharepoint/v3/contenttype/forms"/>
   </ds:schemaRefs>
 </ds:datastoreItem>
 </file>
@@ -11286,9 +13595,18 @@
 </file>
 
 <file path=customXml/itemProps3.xml><?xml version="1.0" encoding="utf-8"?>
-<ds:datastoreItem xmlns:ds="http://schemas.openxmlformats.org/officeDocument/2006/customXml" ds:itemID="{6D0B596E-8E5F-4DB7-9C0B-A416410C0FAB}">
+<ds:datastoreItem xmlns:ds="http://schemas.openxmlformats.org/officeDocument/2006/customXml" ds:itemID="{271DA07E-9A1F-402C-A357-ABD24F8C703B}">
   <ds:schemaRefs>
-    <ds:schemaRef ds:uri="http://schemas.microsoft.com/sharepoint/v3/contenttype/forms"/>
+    <ds:schemaRef ds:uri="http://schemas.microsoft.com/office/infopath/2007/PartnerControls"/>
+    <ds:schemaRef ds:uri="http://schemas.microsoft.com/office/2006/documentManagement/types"/>
+    <ds:schemaRef ds:uri="http://purl.org/dc/elements/1.1/"/>
+    <ds:schemaRef ds:uri="http://schemas.microsoft.com/office/2006/metadata/properties"/>
+    <ds:schemaRef ds:uri="http://schemas.openxmlformats.org/package/2006/metadata/core-properties"/>
+    <ds:schemaRef ds:uri="71af3243-3dd4-4a8d-8c0d-dd76da1f02a5"/>
+    <ds:schemaRef ds:uri="http://purl.org/dc/dcmitype/"/>
+    <ds:schemaRef ds:uri="http://purl.org/dc/terms/"/>
+    <ds:schemaRef ds:uri="16c05727-aa75-4e4a-9b5f-8a80a1165891"/>
+    <ds:schemaRef ds:uri="http://www.w3.org/XML/1998/namespace"/>
   </ds:schemaRefs>
 </ds:datastoreItem>
 </file>
--- a/Design/mg-mis-presentation-1.pptx
+++ b/Design/mg-mis-presentation-1.pptx
@@ -283,7 +283,7 @@
           <a:p>
             <a:fld id="{DA0B549D-7912-47CE-BB9D-C81C46F21077}" type="datetimeFigureOut">
               <a:rPr lang="en-US" smtClean="0"/>
-              <a:t>11/6/2019</a:t>
+              <a:t>11/7/2019</a:t>
             </a:fld>
             <a:endParaRPr lang="en-US" dirty="0"/>
           </a:p>
@@ -460,7 +460,7 @@
           <a:p>
             <a:fld id="{93D370A3-6847-4770-BAE0-862438C62089}" type="datetimeFigureOut">
               <a:rPr lang="en-US" smtClean="0"/>
-              <a:t>11/6/2019</a:t>
+              <a:t>11/7/2019</a:t>
             </a:fld>
             <a:endParaRPr lang="en-US" dirty="0"/>
           </a:p>
@@ -1298,6 +1298,18 @@
           <a:p>
             <a:r>
               <a:rPr lang="en-CA" dirty="0"/>
+              <a:t>I made some more modifications to my document last night and added modules we’ll see in the next slide which are directly related to some new anticipated changes that I forgot to add here.</a:t>
+            </a:r>
+          </a:p>
+          <a:p>
+            <a:r>
+              <a:rPr lang="en-CA" dirty="0"/>
+              <a:t>There are that the format of polygon meshes</a:t>
+            </a:r>
+          </a:p>
+          <a:p>
+            <a:r>
+              <a:rPr lang="en-CA" dirty="0"/>
               <a:t>I specifically want to discuss these with you so keep these in mind but we’ll come back to them.</a:t>
             </a:r>
           </a:p>
@@ -1587,7 +1599,31 @@
           <a:p>
             <a:r>
               <a:rPr lang="en-CA" dirty="0"/>
-              <a:t>My last is that I don’t know what to do with these three modules; they’re necessary to hold information about the Observer, Scene, and other data structures that will be used by  the modules associated to my changes.</a:t>
+              <a:t>My last is that I don’t know what to do with these two modules; they’re necessary to hold information about the Observer, Scene, and other data structures that will be used by  the modules associated to my changes. </a:t>
+            </a:r>
+          </a:p>
+          <a:p>
+            <a:endParaRPr lang="en-CA" dirty="0"/>
+          </a:p>
+          <a:p>
+            <a:r>
+              <a:rPr lang="en-CA" dirty="0"/>
+              <a:t>I suppose I could have an anticipated change associated with the scene format; because the current scene format is based around my design decisions from the CA.</a:t>
+            </a:r>
+          </a:p>
+          <a:p>
+            <a:r>
+              <a:rPr lang="en-CA" dirty="0"/>
+              <a:t>However I don’t see how the observer module is likely to change as it represents the data structure that contains observer information, but there are only 2 pieces of information (position and direction) which I can’t think about other ways this might change.</a:t>
+            </a:r>
+          </a:p>
+          <a:p>
+            <a:endParaRPr lang="en-CA" dirty="0"/>
+          </a:p>
+          <a:p>
+            <a:r>
+              <a:rPr lang="en-CA" dirty="0"/>
+              <a:t>The other two (polygon and normal maps) will be associated to likely changes, I just forgot to add them.</a:t>
             </a:r>
           </a:p>
         </p:txBody>
@@ -7608,7 +7644,7 @@
           </a:ln>
           <a:extLst>
             <a:ext uri="{C572A759-6A51-4108-AA02-DFA0A04FC94B}">
-              <ma14:wrappingTextBoxFlag xmlns:ma14="http://schemas.microsoft.com/office/mac/drawingml/2011/main" xmlns="" val="1"/>
+              <ma14:wrappingTextBoxFlag xmlns="" xmlns:ma14="http://schemas.microsoft.com/office/mac/drawingml/2011/main" val="1"/>
             </a:ext>
           </a:extLst>
         </p:spPr>
@@ -9004,57 +9040,6 @@
       </p:sp>
       <p:sp>
         <p:nvSpPr>
-          <p:cNvPr id="3" name="Arrow: Right 2">
-            <a:extLst>
-              <a:ext uri="{FF2B5EF4-FFF2-40B4-BE49-F238E27FC236}">
-                <a16:creationId xmlns:a16="http://schemas.microsoft.com/office/drawing/2014/main" id="{A71784B9-4929-4CAB-BEE3-175E33B32E86}"/>
-              </a:ext>
-            </a:extLst>
-          </p:cNvPr>
-          <p:cNvSpPr/>
-          <p:nvPr/>
-        </p:nvSpPr>
-        <p:spPr>
-          <a:xfrm>
-            <a:off x="577668" y="5650030"/>
-            <a:ext cx="10248899" cy="1150219"/>
-          </a:xfrm>
-          <a:prstGeom prst="rightArrow">
-            <a:avLst/>
-          </a:prstGeom>
-          <a:solidFill>
-            <a:schemeClr val="accent1">
-              <a:alpha val="42000"/>
-            </a:schemeClr>
-          </a:solidFill>
-        </p:spPr>
-        <p:style>
-          <a:lnRef idx="2">
-            <a:schemeClr val="accent1">
-              <a:shade val="50000"/>
-            </a:schemeClr>
-          </a:lnRef>
-          <a:fillRef idx="1">
-            <a:schemeClr val="accent1"/>
-          </a:fillRef>
-          <a:effectRef idx="0">
-            <a:schemeClr val="accent1"/>
-          </a:effectRef>
-          <a:fontRef idx="minor">
-            <a:schemeClr val="lt1"/>
-          </a:fontRef>
-        </p:style>
-        <p:txBody>
-          <a:bodyPr rtlCol="0" anchor="ctr"/>
-          <a:lstStyle/>
-          <a:p>
-            <a:pPr algn="ctr"/>
-            <a:endParaRPr lang="en-CA" dirty="0"/>
-          </a:p>
-        </p:txBody>
-      </p:sp>
-      <p:sp>
-        <p:nvSpPr>
           <p:cNvPr id="5" name="Rectangle 4">
             <a:extLst>
               <a:ext uri="{FF2B5EF4-FFF2-40B4-BE49-F238E27FC236}">
@@ -9096,146 +9081,6 @@
                 </a:effectLst>
               </a:rPr>
               <a:t>Understand how light interacts with objects with different material properties and model it for virtual environments.</a:t>
-            </a:r>
-          </a:p>
-        </p:txBody>
-      </p:sp>
-      <p:sp>
-        <p:nvSpPr>
-          <p:cNvPr id="6" name="TextBox 5">
-            <a:extLst>
-              <a:ext uri="{FF2B5EF4-FFF2-40B4-BE49-F238E27FC236}">
-                <a16:creationId xmlns:a16="http://schemas.microsoft.com/office/drawing/2014/main" id="{02699636-736D-42C9-A225-F54F7C5374A7}"/>
-              </a:ext>
-            </a:extLst>
-          </p:cNvPr>
-          <p:cNvSpPr txBox="1"/>
-          <p:nvPr/>
-        </p:nvSpPr>
-        <p:spPr>
-          <a:xfrm>
-            <a:off x="725715" y="6040473"/>
-            <a:ext cx="1959960" cy="369332"/>
-          </a:xfrm>
-          <a:prstGeom prst="rect">
-            <a:avLst/>
-          </a:prstGeom>
-          <a:noFill/>
-        </p:spPr>
-        <p:txBody>
-          <a:bodyPr wrap="none" rtlCol="0">
-            <a:spAutoFit/>
-          </a:bodyPr>
-          <a:lstStyle/>
-          <a:p>
-            <a:r>
-              <a:rPr lang="en-CA" dirty="0"/>
-              <a:t>Computer graphics</a:t>
-            </a:r>
-          </a:p>
-        </p:txBody>
-      </p:sp>
-      <p:sp>
-        <p:nvSpPr>
-          <p:cNvPr id="7" name="TextBox 6">
-            <a:extLst>
-              <a:ext uri="{FF2B5EF4-FFF2-40B4-BE49-F238E27FC236}">
-                <a16:creationId xmlns:a16="http://schemas.microsoft.com/office/drawing/2014/main" id="{1E0CCC8C-1803-4B43-B153-9761B84F8D5A}"/>
-              </a:ext>
-            </a:extLst>
-          </p:cNvPr>
-          <p:cNvSpPr txBox="1"/>
-          <p:nvPr/>
-        </p:nvSpPr>
-        <p:spPr>
-          <a:xfrm>
-            <a:off x="2833722" y="6040473"/>
-            <a:ext cx="2071336" cy="369332"/>
-          </a:xfrm>
-          <a:prstGeom prst="rect">
-            <a:avLst/>
-          </a:prstGeom>
-          <a:noFill/>
-        </p:spPr>
-        <p:txBody>
-          <a:bodyPr wrap="none" rtlCol="0">
-            <a:spAutoFit/>
-          </a:bodyPr>
-          <a:lstStyle/>
-          <a:p>
-            <a:r>
-              <a:rPr lang="en-CA" dirty="0"/>
-              <a:t>Virtual environment</a:t>
-            </a:r>
-          </a:p>
-        </p:txBody>
-      </p:sp>
-      <p:sp>
-        <p:nvSpPr>
-          <p:cNvPr id="8" name="TextBox 7">
-            <a:extLst>
-              <a:ext uri="{FF2B5EF4-FFF2-40B4-BE49-F238E27FC236}">
-                <a16:creationId xmlns:a16="http://schemas.microsoft.com/office/drawing/2014/main" id="{4630C508-DC8F-4275-804D-69084F446E78}"/>
-              </a:ext>
-            </a:extLst>
-          </p:cNvPr>
-          <p:cNvSpPr txBox="1"/>
-          <p:nvPr/>
-        </p:nvSpPr>
-        <p:spPr>
-          <a:xfrm>
-            <a:off x="4925872" y="6040473"/>
-            <a:ext cx="1998945" cy="369332"/>
-          </a:xfrm>
-          <a:prstGeom prst="rect">
-            <a:avLst/>
-          </a:prstGeom>
-          <a:noFill/>
-        </p:spPr>
-        <p:txBody>
-          <a:bodyPr wrap="none" rtlCol="0">
-            <a:spAutoFit/>
-          </a:bodyPr>
-          <a:lstStyle/>
-          <a:p>
-            <a:r>
-              <a:rPr lang="en-CA" dirty="0"/>
-              <a:t>Material Properties</a:t>
-            </a:r>
-          </a:p>
-        </p:txBody>
-      </p:sp>
-      <p:sp>
-        <p:nvSpPr>
-          <p:cNvPr id="9" name="TextBox 8">
-            <a:extLst>
-              <a:ext uri="{FF2B5EF4-FFF2-40B4-BE49-F238E27FC236}">
-                <a16:creationId xmlns:a16="http://schemas.microsoft.com/office/drawing/2014/main" id="{F443FD13-7451-44CC-B79B-9597A41B3665}"/>
-              </a:ext>
-            </a:extLst>
-          </p:cNvPr>
-          <p:cNvSpPr txBox="1"/>
-          <p:nvPr/>
-        </p:nvSpPr>
-        <p:spPr>
-          <a:xfrm>
-            <a:off x="621742" y="5609487"/>
-            <a:ext cx="1667508" cy="369332"/>
-          </a:xfrm>
-          <a:prstGeom prst="rect">
-            <a:avLst/>
-          </a:prstGeom>
-          <a:noFill/>
-        </p:spPr>
-        <p:txBody>
-          <a:bodyPr wrap="none" rtlCol="0">
-            <a:spAutoFit/>
-          </a:bodyPr>
-          <a:lstStyle/>
-          <a:p>
-            <a:r>
-              <a:rPr lang="en-CA" dirty="0"/>
-              <a:t>Words to know:</a:t>
             </a:r>
           </a:p>
         </p:txBody>
@@ -9486,267 +9331,6 @@
           </a:prstGeom>
         </p:spPr>
       </p:pic>
-      <p:sp>
-        <p:nvSpPr>
-          <p:cNvPr id="4" name="Arrow: Right 3">
-            <a:extLst>
-              <a:ext uri="{FF2B5EF4-FFF2-40B4-BE49-F238E27FC236}">
-                <a16:creationId xmlns:a16="http://schemas.microsoft.com/office/drawing/2014/main" id="{230B2901-2A00-444D-BE18-21CFE97E6B33}"/>
-              </a:ext>
-            </a:extLst>
-          </p:cNvPr>
-          <p:cNvSpPr/>
-          <p:nvPr/>
-        </p:nvSpPr>
-        <p:spPr>
-          <a:xfrm>
-            <a:off x="577668" y="5650030"/>
-            <a:ext cx="10248899" cy="1150219"/>
-          </a:xfrm>
-          <a:prstGeom prst="rightArrow">
-            <a:avLst/>
-          </a:prstGeom>
-          <a:solidFill>
-            <a:schemeClr val="accent1">
-              <a:alpha val="42000"/>
-            </a:schemeClr>
-          </a:solidFill>
-        </p:spPr>
-        <p:style>
-          <a:lnRef idx="2">
-            <a:schemeClr val="accent1">
-              <a:shade val="50000"/>
-            </a:schemeClr>
-          </a:lnRef>
-          <a:fillRef idx="1">
-            <a:schemeClr val="accent1"/>
-          </a:fillRef>
-          <a:effectRef idx="0">
-            <a:schemeClr val="accent1"/>
-          </a:effectRef>
-          <a:fontRef idx="minor">
-            <a:schemeClr val="lt1"/>
-          </a:fontRef>
-        </p:style>
-        <p:txBody>
-          <a:bodyPr rtlCol="0" anchor="ctr"/>
-          <a:lstStyle/>
-          <a:p>
-            <a:pPr algn="ctr"/>
-            <a:endParaRPr lang="en-CA" dirty="0"/>
-          </a:p>
-        </p:txBody>
-      </p:sp>
-      <p:sp>
-        <p:nvSpPr>
-          <p:cNvPr id="5" name="TextBox 4">
-            <a:extLst>
-              <a:ext uri="{FF2B5EF4-FFF2-40B4-BE49-F238E27FC236}">
-                <a16:creationId xmlns:a16="http://schemas.microsoft.com/office/drawing/2014/main" id="{1C2A2F31-0D29-48D2-B161-EB9ED7230C59}"/>
-              </a:ext>
-            </a:extLst>
-          </p:cNvPr>
-          <p:cNvSpPr txBox="1"/>
-          <p:nvPr/>
-        </p:nvSpPr>
-        <p:spPr>
-          <a:xfrm>
-            <a:off x="725715" y="6040473"/>
-            <a:ext cx="1317284" cy="369332"/>
-          </a:xfrm>
-          <a:prstGeom prst="rect">
-            <a:avLst/>
-          </a:prstGeom>
-          <a:noFill/>
-        </p:spPr>
-        <p:txBody>
-          <a:bodyPr wrap="none" rtlCol="0">
-            <a:spAutoFit/>
-          </a:bodyPr>
-          <a:lstStyle/>
-          <a:p>
-            <a:r>
-              <a:rPr lang="en-CA" dirty="0"/>
-              <a:t>Light source</a:t>
-            </a:r>
-          </a:p>
-        </p:txBody>
-      </p:sp>
-      <p:sp>
-        <p:nvSpPr>
-          <p:cNvPr id="6" name="TextBox 5">
-            <a:extLst>
-              <a:ext uri="{FF2B5EF4-FFF2-40B4-BE49-F238E27FC236}">
-                <a16:creationId xmlns:a16="http://schemas.microsoft.com/office/drawing/2014/main" id="{C2E8A7C7-FAE5-407E-99C4-51A2E609BA9A}"/>
-              </a:ext>
-            </a:extLst>
-          </p:cNvPr>
-          <p:cNvSpPr txBox="1"/>
-          <p:nvPr/>
-        </p:nvSpPr>
-        <p:spPr>
-          <a:xfrm>
-            <a:off x="2285463" y="6040473"/>
-            <a:ext cx="1042593" cy="369332"/>
-          </a:xfrm>
-          <a:prstGeom prst="rect">
-            <a:avLst/>
-          </a:prstGeom>
-          <a:noFill/>
-        </p:spPr>
-        <p:txBody>
-          <a:bodyPr wrap="none" rtlCol="0">
-            <a:spAutoFit/>
-          </a:bodyPr>
-          <a:lstStyle/>
-          <a:p>
-            <a:r>
-              <a:rPr lang="en-CA" dirty="0"/>
-              <a:t>Observer</a:t>
-            </a:r>
-          </a:p>
-        </p:txBody>
-      </p:sp>
-      <p:sp>
-        <p:nvSpPr>
-          <p:cNvPr id="7" name="TextBox 6">
-            <a:extLst>
-              <a:ext uri="{FF2B5EF4-FFF2-40B4-BE49-F238E27FC236}">
-                <a16:creationId xmlns:a16="http://schemas.microsoft.com/office/drawing/2014/main" id="{6A2AB96F-CB4C-43A3-A5EF-159DC33BAAA3}"/>
-              </a:ext>
-            </a:extLst>
-          </p:cNvPr>
-          <p:cNvSpPr txBox="1"/>
-          <p:nvPr/>
-        </p:nvSpPr>
-        <p:spPr>
-          <a:xfrm>
-            <a:off x="621742" y="5609487"/>
-            <a:ext cx="1667508" cy="369332"/>
-          </a:xfrm>
-          <a:prstGeom prst="rect">
-            <a:avLst/>
-          </a:prstGeom>
-          <a:noFill/>
-        </p:spPr>
-        <p:txBody>
-          <a:bodyPr wrap="none" rtlCol="0">
-            <a:spAutoFit/>
-          </a:bodyPr>
-          <a:lstStyle/>
-          <a:p>
-            <a:r>
-              <a:rPr lang="en-CA" dirty="0"/>
-              <a:t>Words to know:</a:t>
-            </a:r>
-          </a:p>
-        </p:txBody>
-      </p:sp>
-      <p:sp>
-        <p:nvSpPr>
-          <p:cNvPr id="9" name="TextBox 8">
-            <a:extLst>
-              <a:ext uri="{FF2B5EF4-FFF2-40B4-BE49-F238E27FC236}">
-                <a16:creationId xmlns:a16="http://schemas.microsoft.com/office/drawing/2014/main" id="{3D591214-BF65-4652-8B78-23EBF4995BBD}"/>
-              </a:ext>
-            </a:extLst>
-          </p:cNvPr>
-          <p:cNvSpPr txBox="1"/>
-          <p:nvPr/>
-        </p:nvSpPr>
-        <p:spPr>
-          <a:xfrm>
-            <a:off x="3570520" y="6040473"/>
-            <a:ext cx="860300" cy="369332"/>
-          </a:xfrm>
-          <a:prstGeom prst="rect">
-            <a:avLst/>
-          </a:prstGeom>
-          <a:noFill/>
-        </p:spPr>
-        <p:txBody>
-          <a:bodyPr wrap="none" rtlCol="0">
-            <a:spAutoFit/>
-          </a:bodyPr>
-          <a:lstStyle/>
-          <a:p>
-            <a:r>
-              <a:rPr lang="en-CA" dirty="0"/>
-              <a:t>Render</a:t>
-            </a:r>
-          </a:p>
-        </p:txBody>
-      </p:sp>
-      <p:sp>
-        <p:nvSpPr>
-          <p:cNvPr id="10" name="TextBox 9">
-            <a:extLst>
-              <a:ext uri="{FF2B5EF4-FFF2-40B4-BE49-F238E27FC236}">
-                <a16:creationId xmlns:a16="http://schemas.microsoft.com/office/drawing/2014/main" id="{A9452B21-0AAF-43FE-BA8C-6378CE42EEF7}"/>
-              </a:ext>
-            </a:extLst>
-          </p:cNvPr>
-          <p:cNvSpPr txBox="1"/>
-          <p:nvPr/>
-        </p:nvSpPr>
-        <p:spPr>
-          <a:xfrm>
-            <a:off x="4673284" y="6040473"/>
-            <a:ext cx="1627369" cy="369332"/>
-          </a:xfrm>
-          <a:prstGeom prst="rect">
-            <a:avLst/>
-          </a:prstGeom>
-          <a:noFill/>
-        </p:spPr>
-        <p:txBody>
-          <a:bodyPr wrap="none" rtlCol="0">
-            <a:spAutoFit/>
-          </a:bodyPr>
-          <a:lstStyle/>
-          <a:p>
-            <a:r>
-              <a:rPr lang="en-CA" dirty="0"/>
-              <a:t>Shaded/Shader</a:t>
-            </a:r>
-          </a:p>
-        </p:txBody>
-      </p:sp>
-      <p:sp>
-        <p:nvSpPr>
-          <p:cNvPr id="11" name="TextBox 10">
-            <a:extLst>
-              <a:ext uri="{FF2B5EF4-FFF2-40B4-BE49-F238E27FC236}">
-                <a16:creationId xmlns:a16="http://schemas.microsoft.com/office/drawing/2014/main" id="{1A99FFAE-F3FB-4DA5-8938-7EE92C5295DE}"/>
-              </a:ext>
-            </a:extLst>
-          </p:cNvPr>
-          <p:cNvSpPr txBox="1"/>
-          <p:nvPr/>
-        </p:nvSpPr>
-        <p:spPr>
-          <a:xfrm>
-            <a:off x="6543117" y="6040473"/>
-            <a:ext cx="412292" cy="369332"/>
-          </a:xfrm>
-          <a:prstGeom prst="rect">
-            <a:avLst/>
-          </a:prstGeom>
-          <a:noFill/>
-        </p:spPr>
-        <p:txBody>
-          <a:bodyPr wrap="none" rtlCol="0">
-            <a:spAutoFit/>
-          </a:bodyPr>
-          <a:lstStyle/>
-          <a:p>
-            <a:r>
-              <a:rPr lang="en-CA" dirty="0"/>
-              <a:t>Lit</a:t>
-            </a:r>
-          </a:p>
-        </p:txBody>
-      </p:sp>
       <p:sp>
         <p:nvSpPr>
           <p:cNvPr id="2" name="Rectangle 1">
@@ -10551,7 +10135,7 @@
         </p:blipFill>
         <p:spPr>
           <a:xfrm>
-            <a:off x="5084257" y="6007983"/>
+            <a:off x="3762124" y="6007983"/>
             <a:ext cx="1592599" cy="383289"/>
           </a:xfrm>
           <a:prstGeom prst="rect">
@@ -10638,7 +10222,7 @@
         </p:blipFill>
         <p:spPr>
           <a:xfrm>
-            <a:off x="1149622" y="6030370"/>
+            <a:off x="1386983" y="6059046"/>
             <a:ext cx="2106508" cy="338516"/>
           </a:xfrm>
           <a:prstGeom prst="rect">
@@ -10704,35 +10288,6 @@
           </a:prstGeom>
         </p:spPr>
       </p:pic>
-      <p:pic>
-        <p:nvPicPr>
-          <p:cNvPr id="43" name="Picture 42">
-            <a:extLst>
-              <a:ext uri="{FF2B5EF4-FFF2-40B4-BE49-F238E27FC236}">
-                <a16:creationId xmlns:a16="http://schemas.microsoft.com/office/drawing/2014/main" id="{D6BBAD45-9AF6-47F9-AC94-C507F3403E74}"/>
-              </a:ext>
-            </a:extLst>
-          </p:cNvPr>
-          <p:cNvPicPr>
-            <a:picLocks noChangeAspect="1"/>
-          </p:cNvPicPr>
-          <p:nvPr/>
-        </p:nvPicPr>
-        <p:blipFill rotWithShape="1">
-          <a:blip r:embed="rId4"/>
-          <a:srcRect l="34116" t="64584" r="43612" b="28248"/>
-          <a:stretch/>
-        </p:blipFill>
-        <p:spPr>
-          <a:xfrm>
-            <a:off x="3256130" y="6029845"/>
-            <a:ext cx="1959425" cy="339566"/>
-          </a:xfrm>
-          <a:prstGeom prst="rect">
-            <a:avLst/>
-          </a:prstGeom>
-        </p:spPr>
-      </p:pic>
       <p:cxnSp>
         <p:nvCxnSpPr>
           <p:cNvPr id="44" name="Straight Arrow Connector 43">
@@ -10873,8 +10428,8 @@
         </p:nvSpPr>
         <p:spPr>
           <a:xfrm>
-            <a:off x="1129553" y="5701553"/>
-            <a:ext cx="10165976" cy="955483"/>
+            <a:off x="1129552" y="5701553"/>
+            <a:ext cx="4589077" cy="955483"/>
           </a:xfrm>
           <a:prstGeom prst="rect">
             <a:avLst/>
@@ -10928,7 +10483,7 @@
         </p:blipFill>
         <p:spPr>
           <a:xfrm>
-            <a:off x="6656691" y="6072024"/>
+            <a:off x="6255896" y="6059046"/>
             <a:ext cx="2279276" cy="240496"/>
           </a:xfrm>
           <a:prstGeom prst="rect">
@@ -10957,7 +10512,7 @@
         </p:blipFill>
         <p:spPr>
           <a:xfrm>
-            <a:off x="8975875" y="6041988"/>
+            <a:off x="9281442" y="6029844"/>
             <a:ext cx="2237537" cy="277887"/>
           </a:xfrm>
           <a:prstGeom prst="rect">
@@ -11063,7 +10618,7 @@
                                           </p:stCondLst>
                                         </p:cTn>
                                         <p:tgtEl>
-                                          <p:spTgt spid="43"/>
+                                          <p:spTgt spid="40"/>
                                         </p:tgtEl>
                                         <p:attrNameLst>
                                           <p:attrName>style.visibility</p:attrName>
@@ -11090,7 +10645,7 @@
                                           </p:stCondLst>
                                         </p:cTn>
                                         <p:tgtEl>
-                                          <p:spTgt spid="40"/>
+                                          <p:spTgt spid="23"/>
                                         </p:tgtEl>
                                         <p:attrNameLst>
                                           <p:attrName>style.visibility</p:attrName>
@@ -11112,33 +10667,6 @@
                                     <p:set>
                                       <p:cBhvr>
                                         <p:cTn id="14" dur="1" fill="hold">
-                                          <p:stCondLst>
-                                            <p:cond delay="0"/>
-                                          </p:stCondLst>
-                                        </p:cTn>
-                                        <p:tgtEl>
-                                          <p:spTgt spid="23"/>
-                                        </p:tgtEl>
-                                        <p:attrNameLst>
-                                          <p:attrName>style.visibility</p:attrName>
-                                        </p:attrNameLst>
-                                      </p:cBhvr>
-                                      <p:to>
-                                        <p:strVal val="visible"/>
-                                      </p:to>
-                                    </p:set>
-                                  </p:childTnLst>
-                                </p:cTn>
-                              </p:par>
-                              <p:par>
-                                <p:cTn id="15" presetID="1" presetClass="entr" presetSubtype="0" fill="hold" nodeType="withEffect">
-                                  <p:stCondLst>
-                                    <p:cond delay="0"/>
-                                  </p:stCondLst>
-                                  <p:childTnLst>
-                                    <p:set>
-                                      <p:cBhvr>
-                                        <p:cTn id="16" dur="1" fill="hold">
                                           <p:stCondLst>
                                             <p:cond delay="0"/>
                                           </p:stCondLst>
@@ -13340,12 +12868,11 @@
 </file>
 
 <file path=customXml/item1.xml><?xml version="1.0" encoding="utf-8"?>
-<?mso-contentType ?>
-<FormTemplates xmlns="http://schemas.microsoft.com/sharepoint/v3/contenttype/forms">
-  <Display>DocumentLibraryForm</Display>
-  <Edit>DocumentLibraryForm</Edit>
-  <New>DocumentLibraryForm</New>
-</FormTemplates>
+<p:properties xmlns:p="http://schemas.microsoft.com/office/2006/metadata/properties" xmlns:xsi="http://www.w3.org/2001/XMLSchema-instance" xmlns:pc="http://schemas.microsoft.com/office/infopath/2007/PartnerControls">
+  <documentManagement>
+    <MediaServiceKeyPoints xmlns="71af3243-3dd4-4a8d-8c0d-dd76da1f02a5" xsi:nil="true"/>
+  </documentManagement>
+</p:properties>
 </file>
 
 <file path=customXml/item2.xml><?xml version="1.0" encoding="utf-8"?>
@@ -13560,17 +13087,27 @@
 </file>
 
 <file path=customXml/item3.xml><?xml version="1.0" encoding="utf-8"?>
-<p:properties xmlns:p="http://schemas.microsoft.com/office/2006/metadata/properties" xmlns:xsi="http://www.w3.org/2001/XMLSchema-instance" xmlns:pc="http://schemas.microsoft.com/office/infopath/2007/PartnerControls">
-  <documentManagement>
-    <MediaServiceKeyPoints xmlns="71af3243-3dd4-4a8d-8c0d-dd76da1f02a5" xsi:nil="true"/>
-  </documentManagement>
-</p:properties>
+<?mso-contentType ?>
+<FormTemplates xmlns="http://schemas.microsoft.com/sharepoint/v3/contenttype/forms">
+  <Display>DocumentLibraryForm</Display>
+  <Edit>DocumentLibraryForm</Edit>
+  <New>DocumentLibraryForm</New>
+</FormTemplates>
 </file>
 
 <file path=customXml/itemProps1.xml><?xml version="1.0" encoding="utf-8"?>
-<ds:datastoreItem xmlns:ds="http://schemas.openxmlformats.org/officeDocument/2006/customXml" ds:itemID="{6D0B596E-8E5F-4DB7-9C0B-A416410C0FAB}">
+<ds:datastoreItem xmlns:ds="http://schemas.openxmlformats.org/officeDocument/2006/customXml" ds:itemID="{271DA07E-9A1F-402C-A357-ABD24F8C703B}">
   <ds:schemaRefs>
-    <ds:schemaRef ds:uri="http://schemas.microsoft.com/sharepoint/v3/contenttype/forms"/>
+    <ds:schemaRef ds:uri="http://schemas.microsoft.com/office/infopath/2007/PartnerControls"/>
+    <ds:schemaRef ds:uri="http://schemas.microsoft.com/office/2006/documentManagement/types"/>
+    <ds:schemaRef ds:uri="http://purl.org/dc/elements/1.1/"/>
+    <ds:schemaRef ds:uri="http://schemas.microsoft.com/office/2006/metadata/properties"/>
+    <ds:schemaRef ds:uri="http://schemas.openxmlformats.org/package/2006/metadata/core-properties"/>
+    <ds:schemaRef ds:uri="71af3243-3dd4-4a8d-8c0d-dd76da1f02a5"/>
+    <ds:schemaRef ds:uri="http://purl.org/dc/dcmitype/"/>
+    <ds:schemaRef ds:uri="http://purl.org/dc/terms/"/>
+    <ds:schemaRef ds:uri="16c05727-aa75-4e4a-9b5f-8a80a1165891"/>
+    <ds:schemaRef ds:uri="http://www.w3.org/XML/1998/namespace"/>
   </ds:schemaRefs>
 </ds:datastoreItem>
 </file>
@@ -13595,18 +13132,9 @@
 </file>
 
 <file path=customXml/itemProps3.xml><?xml version="1.0" encoding="utf-8"?>
-<ds:datastoreItem xmlns:ds="http://schemas.openxmlformats.org/officeDocument/2006/customXml" ds:itemID="{271DA07E-9A1F-402C-A357-ABD24F8C703B}">
+<ds:datastoreItem xmlns:ds="http://schemas.openxmlformats.org/officeDocument/2006/customXml" ds:itemID="{6D0B596E-8E5F-4DB7-9C0B-A416410C0FAB}">
   <ds:schemaRefs>
-    <ds:schemaRef ds:uri="http://schemas.microsoft.com/office/infopath/2007/PartnerControls"/>
-    <ds:schemaRef ds:uri="http://schemas.microsoft.com/office/2006/documentManagement/types"/>
-    <ds:schemaRef ds:uri="http://purl.org/dc/elements/1.1/"/>
-    <ds:schemaRef ds:uri="http://schemas.microsoft.com/office/2006/metadata/properties"/>
-    <ds:schemaRef ds:uri="http://schemas.openxmlformats.org/package/2006/metadata/core-properties"/>
-    <ds:schemaRef ds:uri="71af3243-3dd4-4a8d-8c0d-dd76da1f02a5"/>
-    <ds:schemaRef ds:uri="http://purl.org/dc/dcmitype/"/>
-    <ds:schemaRef ds:uri="http://purl.org/dc/terms/"/>
-    <ds:schemaRef ds:uri="16c05727-aa75-4e4a-9b5f-8a80a1165891"/>
-    <ds:schemaRef ds:uri="http://www.w3.org/XML/1998/namespace"/>
+    <ds:schemaRef ds:uri="http://schemas.microsoft.com/sharepoint/v3/contenttype/forms"/>
   </ds:schemaRefs>
 </ds:datastoreItem>
 </file>